--- a/Ortner/Gaußsches Eliminationsverfahren.pptx
+++ b/Ortner/Gaußsches Eliminationsverfahren.pptx
@@ -10,6 +10,11 @@
     <p:sldId id="258" r:id="rId4"/>
     <p:sldId id="259" r:id="rId5"/>
     <p:sldId id="260" r:id="rId6"/>
+    <p:sldId id="261" r:id="rId7"/>
+    <p:sldId id="262" r:id="rId8"/>
+    <p:sldId id="263" r:id="rId9"/>
+    <p:sldId id="264" r:id="rId10"/>
+    <p:sldId id="265" r:id="rId11"/>
   </p:sldIdLst>
   <p:sldSz cx="12192000" cy="6858000"/>
   <p:notesSz cx="6858000" cy="9144000"/>
@@ -118,9 +123,17 @@
             <p14:sldId id="258"/>
             <p14:sldId id="259"/>
             <p14:sldId id="260"/>
+            <p14:sldId id="261"/>
+            <p14:sldId id="262"/>
+            <p14:sldId id="263"/>
+            <p14:sldId id="264"/>
+            <p14:sldId id="265"/>
           </p14:sldIdLst>
         </p14:section>
       </p14:sectionLst>
+    </p:ext>
+    <p:ext uri="{EFAFB233-063F-42B5-8137-9DF3F51BA10A}">
+      <p15:sldGuideLst xmlns:p15="http://schemas.microsoft.com/office/powerpoint/2012/main"/>
     </p:ext>
   </p:extLst>
 </p:presentation>
@@ -848,7 +861,7 @@
           <a:p>
             <a:fld id="{8857C5D7-73EE-4686-B9B2-8ED37E233552}" type="datetimeFigureOut">
               <a:rPr lang="de-AT" smtClean="0"/>
-              <a:t>23.06.2022</a:t>
+              <a:t>24.06.2022</a:t>
             </a:fld>
             <a:endParaRPr lang="de-AT"/>
           </a:p>
@@ -1099,7 +1112,7 @@
           <a:p>
             <a:fld id="{8857C5D7-73EE-4686-B9B2-8ED37E233552}" type="datetimeFigureOut">
               <a:rPr lang="de-AT" smtClean="0"/>
-              <a:t>23.06.2022</a:t>
+              <a:t>24.06.2022</a:t>
             </a:fld>
             <a:endParaRPr lang="de-AT"/>
           </a:p>
@@ -1413,7 +1426,7 @@
           <a:p>
             <a:fld id="{8857C5D7-73EE-4686-B9B2-8ED37E233552}" type="datetimeFigureOut">
               <a:rPr lang="de-AT" smtClean="0"/>
-              <a:t>23.06.2022</a:t>
+              <a:t>24.06.2022</a:t>
             </a:fld>
             <a:endParaRPr lang="de-AT"/>
           </a:p>
@@ -1754,7 +1767,7 @@
           <a:p>
             <a:fld id="{8857C5D7-73EE-4686-B9B2-8ED37E233552}" type="datetimeFigureOut">
               <a:rPr lang="de-AT" smtClean="0"/>
-              <a:t>23.06.2022</a:t>
+              <a:t>24.06.2022</a:t>
             </a:fld>
             <a:endParaRPr lang="de-AT"/>
           </a:p>
@@ -2068,7 +2081,7 @@
           <a:p>
             <a:fld id="{8857C5D7-73EE-4686-B9B2-8ED37E233552}" type="datetimeFigureOut">
               <a:rPr lang="de-AT" smtClean="0"/>
-              <a:t>23.06.2022</a:t>
+              <a:t>24.06.2022</a:t>
             </a:fld>
             <a:endParaRPr lang="de-AT"/>
           </a:p>
@@ -2461,7 +2474,7 @@
           <a:p>
             <a:fld id="{8857C5D7-73EE-4686-B9B2-8ED37E233552}" type="datetimeFigureOut">
               <a:rPr lang="de-AT" smtClean="0"/>
-              <a:t>23.06.2022</a:t>
+              <a:t>24.06.2022</a:t>
             </a:fld>
             <a:endParaRPr lang="de-AT"/>
           </a:p>
@@ -2631,7 +2644,7 @@
           <a:p>
             <a:fld id="{8857C5D7-73EE-4686-B9B2-8ED37E233552}" type="datetimeFigureOut">
               <a:rPr lang="de-AT" smtClean="0"/>
-              <a:t>23.06.2022</a:t>
+              <a:t>24.06.2022</a:t>
             </a:fld>
             <a:endParaRPr lang="de-AT"/>
           </a:p>
@@ -2811,7 +2824,7 @@
           <a:p>
             <a:fld id="{8857C5D7-73EE-4686-B9B2-8ED37E233552}" type="datetimeFigureOut">
               <a:rPr lang="de-AT" smtClean="0"/>
-              <a:t>23.06.2022</a:t>
+              <a:t>24.06.2022</a:t>
             </a:fld>
             <a:endParaRPr lang="de-AT"/>
           </a:p>
@@ -2987,7 +3000,7 @@
           <a:p>
             <a:fld id="{8857C5D7-73EE-4686-B9B2-8ED37E233552}" type="datetimeFigureOut">
               <a:rPr lang="de-AT" smtClean="0"/>
-              <a:t>23.06.2022</a:t>
+              <a:t>24.06.2022</a:t>
             </a:fld>
             <a:endParaRPr lang="de-AT"/>
           </a:p>
@@ -3234,7 +3247,7 @@
           <a:p>
             <a:fld id="{8857C5D7-73EE-4686-B9B2-8ED37E233552}" type="datetimeFigureOut">
               <a:rPr lang="de-AT" smtClean="0"/>
-              <a:t>23.06.2022</a:t>
+              <a:t>24.06.2022</a:t>
             </a:fld>
             <a:endParaRPr lang="de-AT"/>
           </a:p>
@@ -3466,7 +3479,7 @@
           <a:p>
             <a:fld id="{8857C5D7-73EE-4686-B9B2-8ED37E233552}" type="datetimeFigureOut">
               <a:rPr lang="de-AT" smtClean="0"/>
-              <a:t>23.06.2022</a:t>
+              <a:t>24.06.2022</a:t>
             </a:fld>
             <a:endParaRPr lang="de-AT"/>
           </a:p>
@@ -3840,7 +3853,7 @@
           <a:p>
             <a:fld id="{8857C5D7-73EE-4686-B9B2-8ED37E233552}" type="datetimeFigureOut">
               <a:rPr lang="de-AT" smtClean="0"/>
-              <a:t>23.06.2022</a:t>
+              <a:t>24.06.2022</a:t>
             </a:fld>
             <a:endParaRPr lang="de-AT"/>
           </a:p>
@@ -3963,7 +3976,7 @@
           <a:p>
             <a:fld id="{8857C5D7-73EE-4686-B9B2-8ED37E233552}" type="datetimeFigureOut">
               <a:rPr lang="de-AT" smtClean="0"/>
-              <a:t>23.06.2022</a:t>
+              <a:t>24.06.2022</a:t>
             </a:fld>
             <a:endParaRPr lang="de-AT"/>
           </a:p>
@@ -4058,7 +4071,7 @@
           <a:p>
             <a:fld id="{8857C5D7-73EE-4686-B9B2-8ED37E233552}" type="datetimeFigureOut">
               <a:rPr lang="de-AT" smtClean="0"/>
-              <a:t>23.06.2022</a:t>
+              <a:t>24.06.2022</a:t>
             </a:fld>
             <a:endParaRPr lang="de-AT"/>
           </a:p>
@@ -4313,7 +4326,7 @@
           <a:p>
             <a:fld id="{8857C5D7-73EE-4686-B9B2-8ED37E233552}" type="datetimeFigureOut">
               <a:rPr lang="de-AT" smtClean="0"/>
-              <a:t>23.06.2022</a:t>
+              <a:t>24.06.2022</a:t>
             </a:fld>
             <a:endParaRPr lang="de-AT"/>
           </a:p>
@@ -4576,7 +4589,7 @@
           <a:p>
             <a:fld id="{8857C5D7-73EE-4686-B9B2-8ED37E233552}" type="datetimeFigureOut">
               <a:rPr lang="de-AT" smtClean="0"/>
-              <a:t>23.06.2022</a:t>
+              <a:t>24.06.2022</a:t>
             </a:fld>
             <a:endParaRPr lang="de-AT"/>
           </a:p>
@@ -5319,7 +5332,7 @@
           <a:p>
             <a:fld id="{8857C5D7-73EE-4686-B9B2-8ED37E233552}" type="datetimeFigureOut">
               <a:rPr lang="de-AT" smtClean="0"/>
-              <a:t>23.06.2022</a:t>
+              <a:t>24.06.2022</a:t>
             </a:fld>
             <a:endParaRPr lang="de-AT"/>
           </a:p>
@@ -5910,6 +5923,836 @@
 </p:sld>
 </file>
 
+<file path=ppt/slides/slide10.xml><?xml version="1.0" encoding="utf-8"?>
+<p:sld xmlns:a="http://schemas.openxmlformats.org/drawingml/2006/main" xmlns:r="http://schemas.openxmlformats.org/officeDocument/2006/relationships" xmlns:p="http://schemas.openxmlformats.org/presentationml/2006/main">
+  <p:cSld>
+    <p:bg>
+      <p:bgPr>
+        <a:solidFill>
+          <a:schemeClr val="bg1"/>
+        </a:solidFill>
+        <a:effectLst/>
+      </p:bgPr>
+    </p:bg>
+    <p:spTree>
+      <p:nvGrpSpPr>
+        <p:cNvPr id="1" name=""/>
+        <p:cNvGrpSpPr/>
+        <p:nvPr/>
+      </p:nvGrpSpPr>
+      <p:grpSpPr>
+        <a:xfrm>
+          <a:off x="0" y="0"/>
+          <a:ext cx="0" cy="0"/>
+          <a:chOff x="0" y="0"/>
+          <a:chExt cx="0" cy="0"/>
+        </a:xfrm>
+      </p:grpSpPr>
+      <p:grpSp>
+        <p:nvGrpSpPr>
+          <p:cNvPr id="12" name="Group 11">
+            <a:extLst>
+              <a:ext uri="{FF2B5EF4-FFF2-40B4-BE49-F238E27FC236}">
+                <a16:creationId xmlns:a16="http://schemas.microsoft.com/office/drawing/2014/main" id="{90A61547-2555-4DE2-A37F-A53E54917441}"/>
+              </a:ext>
+              <a:ext uri="{C183D7F6-B498-43B3-948B-1728B52AA6E4}">
+                <adec:decorative xmlns:adec="http://schemas.microsoft.com/office/drawing/2017/decorative" val="1"/>
+              </a:ext>
+            </a:extLst>
+          </p:cNvPr>
+          <p:cNvGrpSpPr>
+            <a:grpSpLocks noGrp="1" noUngrp="1" noRot="1" noChangeAspect="1" noMove="1" noResize="1"/>
+          </p:cNvGrpSpPr>
+          <p:nvPr>
+            <p:extLst>
+              <p:ext uri="{386F3935-93C4-4BCD-93E2-E3B085C9AB24}">
+                <p16:designElem xmlns:p16="http://schemas.microsoft.com/office/powerpoint/2015/main" val="1"/>
+              </p:ext>
+            </p:extLst>
+          </p:nvPr>
+        </p:nvGrpSpPr>
+        <p:grpSpPr>
+          <a:xfrm>
+            <a:off x="0" y="-8467"/>
+            <a:ext cx="12192000" cy="6866467"/>
+            <a:chOff x="0" y="-8467"/>
+            <a:chExt cx="12192000" cy="6866467"/>
+          </a:xfrm>
+        </p:grpSpPr>
+        <p:cxnSp>
+          <p:nvCxnSpPr>
+            <p:cNvPr id="13" name="Straight Connector 12">
+              <a:extLst>
+                <a:ext uri="{FF2B5EF4-FFF2-40B4-BE49-F238E27FC236}">
+                  <a16:creationId xmlns:a16="http://schemas.microsoft.com/office/drawing/2014/main" id="{5C2447E0-8F0D-479C-94E4-82BC8EB68C0C}"/>
+                </a:ext>
+                <a:ext uri="{C183D7F6-B498-43B3-948B-1728B52AA6E4}">
+                  <adec:decorative xmlns:adec="http://schemas.microsoft.com/office/drawing/2017/decorative" val="1"/>
+                </a:ext>
+              </a:extLst>
+            </p:cNvPr>
+            <p:cNvCxnSpPr/>
+            <p:nvPr>
+              <p:extLst>
+                <p:ext uri="{386F3935-93C4-4BCD-93E2-E3B085C9AB24}">
+                  <p16:designElem xmlns:p16="http://schemas.microsoft.com/office/powerpoint/2015/main" val="1"/>
+                </p:ext>
+              </p:extLst>
+            </p:nvPr>
+          </p:nvCxnSpPr>
+          <p:spPr>
+            <a:xfrm>
+              <a:off x="9371012" y="0"/>
+              <a:ext cx="1219200" cy="6858000"/>
+            </a:xfrm>
+            <a:prstGeom prst="line">
+              <a:avLst/>
+            </a:prstGeom>
+            <a:ln w="9525">
+              <a:solidFill>
+                <a:schemeClr val="bg1">
+                  <a:lumMod val="75000"/>
+                </a:schemeClr>
+              </a:solidFill>
+            </a:ln>
+          </p:spPr>
+          <p:style>
+            <a:lnRef idx="2">
+              <a:schemeClr val="accent1"/>
+            </a:lnRef>
+            <a:fillRef idx="0">
+              <a:schemeClr val="accent1"/>
+            </a:fillRef>
+            <a:effectRef idx="1">
+              <a:schemeClr val="accent1"/>
+            </a:effectRef>
+            <a:fontRef idx="minor">
+              <a:schemeClr val="tx1"/>
+            </a:fontRef>
+          </p:style>
+        </p:cxnSp>
+        <p:cxnSp>
+          <p:nvCxnSpPr>
+            <p:cNvPr id="14" name="Straight Connector 13">
+              <a:extLst>
+                <a:ext uri="{FF2B5EF4-FFF2-40B4-BE49-F238E27FC236}">
+                  <a16:creationId xmlns:a16="http://schemas.microsoft.com/office/drawing/2014/main" id="{1F943397-DCDD-44CB-BBA9-9510B7698DD2}"/>
+                </a:ext>
+                <a:ext uri="{C183D7F6-B498-43B3-948B-1728B52AA6E4}">
+                  <adec:decorative xmlns:adec="http://schemas.microsoft.com/office/drawing/2017/decorative" val="1"/>
+                </a:ext>
+              </a:extLst>
+            </p:cNvPr>
+            <p:cNvCxnSpPr/>
+            <p:nvPr>
+              <p:extLst>
+                <p:ext uri="{386F3935-93C4-4BCD-93E2-E3B085C9AB24}">
+                  <p16:designElem xmlns:p16="http://schemas.microsoft.com/office/powerpoint/2015/main" val="1"/>
+                </p:ext>
+              </p:extLst>
+            </p:nvPr>
+          </p:nvCxnSpPr>
+          <p:spPr>
+            <a:xfrm flipH="1">
+              <a:off x="7425267" y="3681413"/>
+              <a:ext cx="4763558" cy="3176587"/>
+            </a:xfrm>
+            <a:prstGeom prst="line">
+              <a:avLst/>
+            </a:prstGeom>
+            <a:ln w="9525">
+              <a:solidFill>
+                <a:schemeClr val="bg1">
+                  <a:lumMod val="85000"/>
+                </a:schemeClr>
+              </a:solidFill>
+            </a:ln>
+          </p:spPr>
+          <p:style>
+            <a:lnRef idx="2">
+              <a:schemeClr val="accent1"/>
+            </a:lnRef>
+            <a:fillRef idx="0">
+              <a:schemeClr val="accent1"/>
+            </a:fillRef>
+            <a:effectRef idx="1">
+              <a:schemeClr val="accent1"/>
+            </a:effectRef>
+            <a:fontRef idx="minor">
+              <a:schemeClr val="tx1"/>
+            </a:fontRef>
+          </p:style>
+        </p:cxnSp>
+        <p:sp>
+          <p:nvSpPr>
+            <p:cNvPr id="15" name="Rectangle 23">
+              <a:extLst>
+                <a:ext uri="{FF2B5EF4-FFF2-40B4-BE49-F238E27FC236}">
+                  <a16:creationId xmlns:a16="http://schemas.microsoft.com/office/drawing/2014/main" id="{E2630ADC-31DB-4C48-AC4A-DAAE5A7B8EA6}"/>
+                </a:ext>
+                <a:ext uri="{C183D7F6-B498-43B3-948B-1728B52AA6E4}">
+                  <adec:decorative xmlns:adec="http://schemas.microsoft.com/office/drawing/2017/decorative" val="1"/>
+                </a:ext>
+              </a:extLst>
+            </p:cNvPr>
+            <p:cNvSpPr/>
+            <p:nvPr>
+              <p:extLst>
+                <p:ext uri="{386F3935-93C4-4BCD-93E2-E3B085C9AB24}">
+                  <p16:designElem xmlns:p16="http://schemas.microsoft.com/office/powerpoint/2015/main" val="1"/>
+                </p:ext>
+              </p:extLst>
+            </p:nvPr>
+          </p:nvSpPr>
+          <p:spPr>
+            <a:xfrm>
+              <a:off x="9181476" y="-8467"/>
+              <a:ext cx="3007349" cy="6866467"/>
+            </a:xfrm>
+            <a:custGeom>
+              <a:avLst/>
+              <a:gdLst/>
+              <a:ahLst/>
+              <a:cxnLst/>
+              <a:rect l="l" t="t" r="r" b="b"/>
+              <a:pathLst>
+                <a:path w="3007349" h="6866467">
+                  <a:moveTo>
+                    <a:pt x="2045532" y="0"/>
+                  </a:moveTo>
+                  <a:lnTo>
+                    <a:pt x="3007349" y="0"/>
+                  </a:lnTo>
+                  <a:lnTo>
+                    <a:pt x="3007349" y="6866467"/>
+                  </a:lnTo>
+                  <a:lnTo>
+                    <a:pt x="0" y="6866467"/>
+                  </a:lnTo>
+                  <a:lnTo>
+                    <a:pt x="2045532" y="0"/>
+                  </a:lnTo>
+                  <a:close/>
+                </a:path>
+              </a:pathLst>
+            </a:custGeom>
+            <a:solidFill>
+              <a:schemeClr val="accent1">
+                <a:alpha val="30000"/>
+              </a:schemeClr>
+            </a:solidFill>
+            <a:ln>
+              <a:noFill/>
+            </a:ln>
+            <a:effectLst/>
+          </p:spPr>
+          <p:style>
+            <a:lnRef idx="1">
+              <a:schemeClr val="accent1"/>
+            </a:lnRef>
+            <a:fillRef idx="3">
+              <a:schemeClr val="accent1"/>
+            </a:fillRef>
+            <a:effectRef idx="2">
+              <a:schemeClr val="accent1"/>
+            </a:effectRef>
+            <a:fontRef idx="minor">
+              <a:schemeClr val="lt1"/>
+            </a:fontRef>
+          </p:style>
+        </p:sp>
+        <p:sp>
+          <p:nvSpPr>
+            <p:cNvPr id="16" name="Rectangle 25">
+              <a:extLst>
+                <a:ext uri="{FF2B5EF4-FFF2-40B4-BE49-F238E27FC236}">
+                  <a16:creationId xmlns:a16="http://schemas.microsoft.com/office/drawing/2014/main" id="{2CA5C44E-F54E-47E0-8989-4D8686B33C80}"/>
+                </a:ext>
+                <a:ext uri="{C183D7F6-B498-43B3-948B-1728B52AA6E4}">
+                  <adec:decorative xmlns:adec="http://schemas.microsoft.com/office/drawing/2017/decorative" val="1"/>
+                </a:ext>
+              </a:extLst>
+            </p:cNvPr>
+            <p:cNvSpPr/>
+            <p:nvPr>
+              <p:extLst>
+                <p:ext uri="{386F3935-93C4-4BCD-93E2-E3B085C9AB24}">
+                  <p16:designElem xmlns:p16="http://schemas.microsoft.com/office/powerpoint/2015/main" val="1"/>
+                </p:ext>
+              </p:extLst>
+            </p:nvPr>
+          </p:nvSpPr>
+          <p:spPr>
+            <a:xfrm>
+              <a:off x="9603442" y="-8467"/>
+              <a:ext cx="2588558" cy="6866467"/>
+            </a:xfrm>
+            <a:custGeom>
+              <a:avLst/>
+              <a:gdLst/>
+              <a:ahLst/>
+              <a:cxnLst/>
+              <a:rect l="l" t="t" r="r" b="b"/>
+              <a:pathLst>
+                <a:path w="2573311" h="6866467">
+                  <a:moveTo>
+                    <a:pt x="0" y="0"/>
+                  </a:moveTo>
+                  <a:lnTo>
+                    <a:pt x="2573311" y="0"/>
+                  </a:lnTo>
+                  <a:lnTo>
+                    <a:pt x="2573311" y="6866467"/>
+                  </a:lnTo>
+                  <a:lnTo>
+                    <a:pt x="1202336" y="6866467"/>
+                  </a:lnTo>
+                  <a:lnTo>
+                    <a:pt x="0" y="0"/>
+                  </a:lnTo>
+                  <a:close/>
+                </a:path>
+              </a:pathLst>
+            </a:custGeom>
+            <a:solidFill>
+              <a:schemeClr val="accent1">
+                <a:alpha val="20000"/>
+              </a:schemeClr>
+            </a:solidFill>
+            <a:ln>
+              <a:noFill/>
+            </a:ln>
+            <a:effectLst/>
+          </p:spPr>
+          <p:style>
+            <a:lnRef idx="1">
+              <a:schemeClr val="accent1"/>
+            </a:lnRef>
+            <a:fillRef idx="3">
+              <a:schemeClr val="accent1"/>
+            </a:fillRef>
+            <a:effectRef idx="2">
+              <a:schemeClr val="accent1"/>
+            </a:effectRef>
+            <a:fontRef idx="minor">
+              <a:schemeClr val="lt1"/>
+            </a:fontRef>
+          </p:style>
+        </p:sp>
+        <p:sp>
+          <p:nvSpPr>
+            <p:cNvPr id="17" name="Isosceles Triangle 16">
+              <a:extLst>
+                <a:ext uri="{FF2B5EF4-FFF2-40B4-BE49-F238E27FC236}">
+                  <a16:creationId xmlns:a16="http://schemas.microsoft.com/office/drawing/2014/main" id="{FF54E15E-830B-4375-A239-4C51954DEAEC}"/>
+                </a:ext>
+                <a:ext uri="{C183D7F6-B498-43B3-948B-1728B52AA6E4}">
+                  <adec:decorative xmlns:adec="http://schemas.microsoft.com/office/drawing/2017/decorative" val="1"/>
+                </a:ext>
+              </a:extLst>
+            </p:cNvPr>
+            <p:cNvSpPr/>
+            <p:nvPr>
+              <p:extLst>
+                <p:ext uri="{386F3935-93C4-4BCD-93E2-E3B085C9AB24}">
+                  <p16:designElem xmlns:p16="http://schemas.microsoft.com/office/powerpoint/2015/main" val="1"/>
+                </p:ext>
+              </p:extLst>
+            </p:nvPr>
+          </p:nvSpPr>
+          <p:spPr>
+            <a:xfrm>
+              <a:off x="8932333" y="3048000"/>
+              <a:ext cx="3259667" cy="3810000"/>
+            </a:xfrm>
+            <a:prstGeom prst="triangle">
+              <a:avLst>
+                <a:gd name="adj" fmla="val 100000"/>
+              </a:avLst>
+            </a:prstGeom>
+            <a:solidFill>
+              <a:schemeClr val="accent2">
+                <a:alpha val="72000"/>
+              </a:schemeClr>
+            </a:solidFill>
+            <a:ln>
+              <a:noFill/>
+            </a:ln>
+            <a:effectLst/>
+          </p:spPr>
+          <p:style>
+            <a:lnRef idx="1">
+              <a:schemeClr val="accent1"/>
+            </a:lnRef>
+            <a:fillRef idx="3">
+              <a:schemeClr val="accent1"/>
+            </a:fillRef>
+            <a:effectRef idx="2">
+              <a:schemeClr val="accent1"/>
+            </a:effectRef>
+            <a:fontRef idx="minor">
+              <a:schemeClr val="lt1"/>
+            </a:fontRef>
+          </p:style>
+        </p:sp>
+        <p:sp>
+          <p:nvSpPr>
+            <p:cNvPr id="18" name="Rectangle 27">
+              <a:extLst>
+                <a:ext uri="{FF2B5EF4-FFF2-40B4-BE49-F238E27FC236}">
+                  <a16:creationId xmlns:a16="http://schemas.microsoft.com/office/drawing/2014/main" id="{CB37E322-FF7E-4872-BD6B-50A48CBEA5CE}"/>
+                </a:ext>
+                <a:ext uri="{C183D7F6-B498-43B3-948B-1728B52AA6E4}">
+                  <adec:decorative xmlns:adec="http://schemas.microsoft.com/office/drawing/2017/decorative" val="1"/>
+                </a:ext>
+              </a:extLst>
+            </p:cNvPr>
+            <p:cNvSpPr/>
+            <p:nvPr>
+              <p:extLst>
+                <p:ext uri="{386F3935-93C4-4BCD-93E2-E3B085C9AB24}">
+                  <p16:designElem xmlns:p16="http://schemas.microsoft.com/office/powerpoint/2015/main" val="1"/>
+                </p:ext>
+              </p:extLst>
+            </p:nvPr>
+          </p:nvSpPr>
+          <p:spPr>
+            <a:xfrm>
+              <a:off x="9334500" y="-8467"/>
+              <a:ext cx="2854326" cy="6866467"/>
+            </a:xfrm>
+            <a:custGeom>
+              <a:avLst/>
+              <a:gdLst/>
+              <a:ahLst/>
+              <a:cxnLst/>
+              <a:rect l="l" t="t" r="r" b="b"/>
+              <a:pathLst>
+                <a:path w="2858013" h="6866467">
+                  <a:moveTo>
+                    <a:pt x="0" y="0"/>
+                  </a:moveTo>
+                  <a:lnTo>
+                    <a:pt x="2858013" y="0"/>
+                  </a:lnTo>
+                  <a:lnTo>
+                    <a:pt x="2858013" y="6866467"/>
+                  </a:lnTo>
+                  <a:lnTo>
+                    <a:pt x="2473942" y="6866467"/>
+                  </a:lnTo>
+                  <a:lnTo>
+                    <a:pt x="0" y="0"/>
+                  </a:lnTo>
+                  <a:close/>
+                </a:path>
+              </a:pathLst>
+            </a:custGeom>
+            <a:solidFill>
+              <a:schemeClr val="accent2">
+                <a:lumMod val="75000"/>
+                <a:alpha val="70000"/>
+              </a:schemeClr>
+            </a:solidFill>
+            <a:ln>
+              <a:noFill/>
+            </a:ln>
+            <a:effectLst/>
+          </p:spPr>
+          <p:style>
+            <a:lnRef idx="1">
+              <a:schemeClr val="accent1"/>
+            </a:lnRef>
+            <a:fillRef idx="3">
+              <a:schemeClr val="accent1"/>
+            </a:fillRef>
+            <a:effectRef idx="2">
+              <a:schemeClr val="accent1"/>
+            </a:effectRef>
+            <a:fontRef idx="minor">
+              <a:schemeClr val="lt1"/>
+            </a:fontRef>
+          </p:style>
+        </p:sp>
+        <p:sp>
+          <p:nvSpPr>
+            <p:cNvPr id="19" name="Rectangle 28">
+              <a:extLst>
+                <a:ext uri="{FF2B5EF4-FFF2-40B4-BE49-F238E27FC236}">
+                  <a16:creationId xmlns:a16="http://schemas.microsoft.com/office/drawing/2014/main" id="{710D0C1E-D2F8-45B2-AE14-1AC8E976F7A2}"/>
+                </a:ext>
+                <a:ext uri="{C183D7F6-B498-43B3-948B-1728B52AA6E4}">
+                  <adec:decorative xmlns:adec="http://schemas.microsoft.com/office/drawing/2017/decorative" val="1"/>
+                </a:ext>
+              </a:extLst>
+            </p:cNvPr>
+            <p:cNvSpPr/>
+            <p:nvPr>
+              <p:extLst>
+                <p:ext uri="{386F3935-93C4-4BCD-93E2-E3B085C9AB24}">
+                  <p16:designElem xmlns:p16="http://schemas.microsoft.com/office/powerpoint/2015/main" val="1"/>
+                </p:ext>
+              </p:extLst>
+            </p:nvPr>
+          </p:nvSpPr>
+          <p:spPr>
+            <a:xfrm>
+              <a:off x="10898730" y="-8467"/>
+              <a:ext cx="1290094" cy="6866467"/>
+            </a:xfrm>
+            <a:custGeom>
+              <a:avLst/>
+              <a:gdLst/>
+              <a:ahLst/>
+              <a:cxnLst/>
+              <a:rect l="l" t="t" r="r" b="b"/>
+              <a:pathLst>
+                <a:path w="1290094" h="6858000">
+                  <a:moveTo>
+                    <a:pt x="1019735" y="0"/>
+                  </a:moveTo>
+                  <a:lnTo>
+                    <a:pt x="1290094" y="0"/>
+                  </a:lnTo>
+                  <a:lnTo>
+                    <a:pt x="1290094" y="6858000"/>
+                  </a:lnTo>
+                  <a:lnTo>
+                    <a:pt x="0" y="6858000"/>
+                  </a:lnTo>
+                  <a:lnTo>
+                    <a:pt x="1019735" y="0"/>
+                  </a:lnTo>
+                  <a:close/>
+                </a:path>
+              </a:pathLst>
+            </a:custGeom>
+            <a:solidFill>
+              <a:schemeClr val="accent1">
+                <a:lumMod val="60000"/>
+                <a:lumOff val="40000"/>
+                <a:alpha val="70000"/>
+              </a:schemeClr>
+            </a:solidFill>
+            <a:ln>
+              <a:noFill/>
+            </a:ln>
+            <a:effectLst/>
+          </p:spPr>
+          <p:style>
+            <a:lnRef idx="1">
+              <a:schemeClr val="accent1"/>
+            </a:lnRef>
+            <a:fillRef idx="3">
+              <a:schemeClr val="accent1"/>
+            </a:fillRef>
+            <a:effectRef idx="2">
+              <a:schemeClr val="accent1"/>
+            </a:effectRef>
+            <a:fontRef idx="minor">
+              <a:schemeClr val="lt1"/>
+            </a:fontRef>
+          </p:style>
+        </p:sp>
+        <p:sp>
+          <p:nvSpPr>
+            <p:cNvPr id="20" name="Rectangle 29">
+              <a:extLst>
+                <a:ext uri="{FF2B5EF4-FFF2-40B4-BE49-F238E27FC236}">
+                  <a16:creationId xmlns:a16="http://schemas.microsoft.com/office/drawing/2014/main" id="{3216331B-17D0-4167-ABD2-B2198058C2D2}"/>
+                </a:ext>
+                <a:ext uri="{C183D7F6-B498-43B3-948B-1728B52AA6E4}">
+                  <adec:decorative xmlns:adec="http://schemas.microsoft.com/office/drawing/2017/decorative" val="1"/>
+                </a:ext>
+              </a:extLst>
+            </p:cNvPr>
+            <p:cNvSpPr/>
+            <p:nvPr>
+              <p:extLst>
+                <p:ext uri="{386F3935-93C4-4BCD-93E2-E3B085C9AB24}">
+                  <p16:designElem xmlns:p16="http://schemas.microsoft.com/office/powerpoint/2015/main" val="1"/>
+                </p:ext>
+              </p:extLst>
+            </p:nvPr>
+          </p:nvSpPr>
+          <p:spPr>
+            <a:xfrm>
+              <a:off x="10938999" y="-8467"/>
+              <a:ext cx="1249825" cy="6866467"/>
+            </a:xfrm>
+            <a:custGeom>
+              <a:avLst/>
+              <a:gdLst/>
+              <a:ahLst/>
+              <a:cxnLst/>
+              <a:rect l="l" t="t" r="r" b="b"/>
+              <a:pathLst>
+                <a:path w="1249825" h="6858000">
+                  <a:moveTo>
+                    <a:pt x="0" y="0"/>
+                  </a:moveTo>
+                  <a:lnTo>
+                    <a:pt x="1249825" y="0"/>
+                  </a:lnTo>
+                  <a:lnTo>
+                    <a:pt x="1249825" y="6858000"/>
+                  </a:lnTo>
+                  <a:lnTo>
+                    <a:pt x="1109382" y="6858000"/>
+                  </a:lnTo>
+                  <a:lnTo>
+                    <a:pt x="0" y="0"/>
+                  </a:lnTo>
+                  <a:close/>
+                </a:path>
+              </a:pathLst>
+            </a:custGeom>
+            <a:solidFill>
+              <a:schemeClr val="accent1">
+                <a:alpha val="65000"/>
+              </a:schemeClr>
+            </a:solidFill>
+            <a:ln>
+              <a:noFill/>
+            </a:ln>
+            <a:effectLst/>
+          </p:spPr>
+          <p:style>
+            <a:lnRef idx="1">
+              <a:schemeClr val="accent1"/>
+            </a:lnRef>
+            <a:fillRef idx="3">
+              <a:schemeClr val="accent1"/>
+            </a:fillRef>
+            <a:effectRef idx="2">
+              <a:schemeClr val="accent1"/>
+            </a:effectRef>
+            <a:fontRef idx="minor">
+              <a:schemeClr val="lt1"/>
+            </a:fontRef>
+          </p:style>
+        </p:sp>
+        <p:sp>
+          <p:nvSpPr>
+            <p:cNvPr id="21" name="Isosceles Triangle 20">
+              <a:extLst>
+                <a:ext uri="{FF2B5EF4-FFF2-40B4-BE49-F238E27FC236}">
+                  <a16:creationId xmlns:a16="http://schemas.microsoft.com/office/drawing/2014/main" id="{A53A7A96-3806-4BB3-91DE-6EED48AC787E}"/>
+                </a:ext>
+                <a:ext uri="{C183D7F6-B498-43B3-948B-1728B52AA6E4}">
+                  <adec:decorative xmlns:adec="http://schemas.microsoft.com/office/drawing/2017/decorative" val="1"/>
+                </a:ext>
+              </a:extLst>
+            </p:cNvPr>
+            <p:cNvSpPr/>
+            <p:nvPr>
+              <p:extLst>
+                <p:ext uri="{386F3935-93C4-4BCD-93E2-E3B085C9AB24}">
+                  <p16:designElem xmlns:p16="http://schemas.microsoft.com/office/powerpoint/2015/main" val="1"/>
+                </p:ext>
+              </p:extLst>
+            </p:nvPr>
+          </p:nvSpPr>
+          <p:spPr>
+            <a:xfrm>
+              <a:off x="10371666" y="3589867"/>
+              <a:ext cx="1817159" cy="3268133"/>
+            </a:xfrm>
+            <a:prstGeom prst="triangle">
+              <a:avLst>
+                <a:gd name="adj" fmla="val 100000"/>
+              </a:avLst>
+            </a:prstGeom>
+            <a:solidFill>
+              <a:schemeClr val="accent1">
+                <a:alpha val="80000"/>
+              </a:schemeClr>
+            </a:solidFill>
+            <a:ln>
+              <a:noFill/>
+            </a:ln>
+            <a:effectLst/>
+          </p:spPr>
+          <p:style>
+            <a:lnRef idx="1">
+              <a:schemeClr val="accent1"/>
+            </a:lnRef>
+            <a:fillRef idx="3">
+              <a:schemeClr val="accent1"/>
+            </a:fillRef>
+            <a:effectRef idx="2">
+              <a:schemeClr val="accent1"/>
+            </a:effectRef>
+            <a:fontRef idx="minor">
+              <a:schemeClr val="lt1"/>
+            </a:fontRef>
+          </p:style>
+        </p:sp>
+        <p:sp>
+          <p:nvSpPr>
+            <p:cNvPr id="22" name="Isosceles Triangle 21">
+              <a:extLst>
+                <a:ext uri="{FF2B5EF4-FFF2-40B4-BE49-F238E27FC236}">
+                  <a16:creationId xmlns:a16="http://schemas.microsoft.com/office/drawing/2014/main" id="{F8C2B86C-EE71-466E-8991-503F9C9C1B22}"/>
+                </a:ext>
+                <a:ext uri="{C183D7F6-B498-43B3-948B-1728B52AA6E4}">
+                  <adec:decorative xmlns:adec="http://schemas.microsoft.com/office/drawing/2017/decorative" val="1"/>
+                </a:ext>
+              </a:extLst>
+            </p:cNvPr>
+            <p:cNvSpPr/>
+            <p:nvPr>
+              <p:extLst>
+                <p:ext uri="{386F3935-93C4-4BCD-93E2-E3B085C9AB24}">
+                  <p16:designElem xmlns:p16="http://schemas.microsoft.com/office/powerpoint/2015/main" val="1"/>
+                </p:ext>
+              </p:extLst>
+            </p:nvPr>
+          </p:nvSpPr>
+          <p:spPr>
+            <a:xfrm rot="10800000">
+              <a:off x="0" y="0"/>
+              <a:ext cx="842596" cy="5666154"/>
+            </a:xfrm>
+            <a:prstGeom prst="triangle">
+              <a:avLst>
+                <a:gd name="adj" fmla="val 100000"/>
+              </a:avLst>
+            </a:prstGeom>
+            <a:solidFill>
+              <a:schemeClr val="accent1">
+                <a:alpha val="85000"/>
+              </a:schemeClr>
+            </a:solidFill>
+            <a:ln>
+              <a:noFill/>
+            </a:ln>
+            <a:effectLst/>
+          </p:spPr>
+          <p:style>
+            <a:lnRef idx="1">
+              <a:schemeClr val="accent1"/>
+            </a:lnRef>
+            <a:fillRef idx="3">
+              <a:schemeClr val="accent1"/>
+            </a:fillRef>
+            <a:effectRef idx="2">
+              <a:schemeClr val="accent1"/>
+            </a:effectRef>
+            <a:fontRef idx="minor">
+              <a:schemeClr val="lt1"/>
+            </a:fontRef>
+          </p:style>
+        </p:sp>
+      </p:grpSp>
+      <p:sp>
+        <p:nvSpPr>
+          <p:cNvPr id="2" name="Titel 1">
+            <a:extLst>
+              <a:ext uri="{FF2B5EF4-FFF2-40B4-BE49-F238E27FC236}">
+                <a16:creationId xmlns:a16="http://schemas.microsoft.com/office/drawing/2014/main" id="{86017D13-4B99-B3F9-521B-EDC895D495B6}"/>
+              </a:ext>
+            </a:extLst>
+          </p:cNvPr>
+          <p:cNvSpPr>
+            <a:spLocks noGrp="1"/>
+          </p:cNvSpPr>
+          <p:nvPr>
+            <p:ph type="title"/>
+          </p:nvPr>
+        </p:nvSpPr>
+        <p:spPr>
+          <a:xfrm>
+            <a:off x="985968" y="4473225"/>
+            <a:ext cx="8288035" cy="1095059"/>
+          </a:xfrm>
+        </p:spPr>
+        <p:txBody>
+          <a:bodyPr vert="horz" lIns="91440" tIns="45720" rIns="91440" bIns="45720" rtlCol="0" anchor="b">
+            <a:normAutofit/>
+          </a:bodyPr>
+          <a:lstStyle/>
+          <a:p>
+            <a:r>
+              <a:rPr lang="en-US" sz="4800"/>
+              <a:t>Lösung (mit Weg)</a:t>
+            </a:r>
+          </a:p>
+        </p:txBody>
+      </p:sp>
+      <p:pic>
+        <p:nvPicPr>
+          <p:cNvPr id="5" name="Grafik 4">
+            <a:extLst>
+              <a:ext uri="{FF2B5EF4-FFF2-40B4-BE49-F238E27FC236}">
+                <a16:creationId xmlns:a16="http://schemas.microsoft.com/office/drawing/2014/main" id="{86F9B54D-20C2-A5A9-02CE-C9DC5E7CD5C1}"/>
+              </a:ext>
+            </a:extLst>
+          </p:cNvPr>
+          <p:cNvPicPr>
+            <a:picLocks noChangeAspect="1"/>
+          </p:cNvPicPr>
+          <p:nvPr/>
+        </p:nvPicPr>
+        <p:blipFill>
+          <a:blip r:embed="rId2"/>
+          <a:stretch>
+            <a:fillRect/>
+          </a:stretch>
+        </p:blipFill>
+        <p:spPr>
+          <a:xfrm>
+            <a:off x="985965" y="1063279"/>
+            <a:ext cx="4883927" cy="2734999"/>
+          </a:xfrm>
+          <a:prstGeom prst="rect">
+            <a:avLst/>
+          </a:prstGeom>
+        </p:spPr>
+      </p:pic>
+      <p:pic>
+        <p:nvPicPr>
+          <p:cNvPr id="7" name="Grafik 6">
+            <a:extLst>
+              <a:ext uri="{FF2B5EF4-FFF2-40B4-BE49-F238E27FC236}">
+                <a16:creationId xmlns:a16="http://schemas.microsoft.com/office/drawing/2014/main" id="{647E60F9-36F4-023F-DAAE-8EB31AFB4A8B}"/>
+              </a:ext>
+            </a:extLst>
+          </p:cNvPr>
+          <p:cNvPicPr>
+            <a:picLocks noChangeAspect="1"/>
+          </p:cNvPicPr>
+          <p:nvPr/>
+        </p:nvPicPr>
+        <p:blipFill>
+          <a:blip r:embed="rId3"/>
+          <a:stretch>
+            <a:fillRect/>
+          </a:stretch>
+        </p:blipFill>
+        <p:spPr>
+          <a:xfrm>
+            <a:off x="6131327" y="609600"/>
+            <a:ext cx="3108808" cy="3642357"/>
+          </a:xfrm>
+          <a:prstGeom prst="rect">
+            <a:avLst/>
+          </a:prstGeom>
+        </p:spPr>
+      </p:pic>
+    </p:spTree>
+    <p:extLst>
+      <p:ext uri="{BB962C8B-B14F-4D97-AF65-F5344CB8AC3E}">
+        <p14:creationId xmlns:p14="http://schemas.microsoft.com/office/powerpoint/2010/main" val="4162910843"/>
+      </p:ext>
+    </p:extLst>
+  </p:cSld>
+  <p:clrMapOvr>
+    <a:masterClrMapping/>
+  </p:clrMapOvr>
+</p:sld>
+</file>
+
 <file path=ppt/slides/slide2.xml><?xml version="1.0" encoding="utf-8"?>
 <p:sld xmlns:a="http://schemas.openxmlformats.org/drawingml/2006/main" xmlns:r="http://schemas.openxmlformats.org/officeDocument/2006/relationships" xmlns:p="http://schemas.openxmlformats.org/presentationml/2006/main">
   <p:cSld>
@@ -6381,6 +7224,14 @@
 <file path=ppt/slides/slide5.xml><?xml version="1.0" encoding="utf-8"?>
 <p:sld xmlns:a="http://schemas.openxmlformats.org/drawingml/2006/main" xmlns:r="http://schemas.openxmlformats.org/officeDocument/2006/relationships" xmlns:p="http://schemas.openxmlformats.org/presentationml/2006/main">
   <p:cSld>
+    <p:bg>
+      <p:bgPr>
+        <a:solidFill>
+          <a:schemeClr val="bg1"/>
+        </a:solidFill>
+        <a:effectLst/>
+      </p:bgPr>
+    </p:bg>
     <p:spTree>
       <p:nvGrpSpPr>
         <p:cNvPr id="1" name=""/>
@@ -6395,6 +7246,703 @@
           <a:chExt cx="0" cy="0"/>
         </a:xfrm>
       </p:grpSpPr>
+      <p:grpSp>
+        <p:nvGrpSpPr>
+          <p:cNvPr id="12" name="Group 11">
+            <a:extLst>
+              <a:ext uri="{FF2B5EF4-FFF2-40B4-BE49-F238E27FC236}">
+                <a16:creationId xmlns:a16="http://schemas.microsoft.com/office/drawing/2014/main" id="{90A61547-2555-4DE2-A37F-A53E54917441}"/>
+              </a:ext>
+              <a:ext uri="{C183D7F6-B498-43B3-948B-1728B52AA6E4}">
+                <adec:decorative xmlns:adec="http://schemas.microsoft.com/office/drawing/2017/decorative" val="1"/>
+              </a:ext>
+            </a:extLst>
+          </p:cNvPr>
+          <p:cNvGrpSpPr>
+            <a:grpSpLocks noGrp="1" noUngrp="1" noRot="1" noChangeAspect="1" noMove="1" noResize="1"/>
+          </p:cNvGrpSpPr>
+          <p:nvPr>
+            <p:extLst>
+              <p:ext uri="{386F3935-93C4-4BCD-93E2-E3B085C9AB24}">
+                <p16:designElem xmlns:p16="http://schemas.microsoft.com/office/powerpoint/2015/main" val="1"/>
+              </p:ext>
+            </p:extLst>
+          </p:nvPr>
+        </p:nvGrpSpPr>
+        <p:grpSpPr>
+          <a:xfrm>
+            <a:off x="0" y="-8467"/>
+            <a:ext cx="12192000" cy="6866467"/>
+            <a:chOff x="0" y="-8467"/>
+            <a:chExt cx="12192000" cy="6866467"/>
+          </a:xfrm>
+        </p:grpSpPr>
+        <p:cxnSp>
+          <p:nvCxnSpPr>
+            <p:cNvPr id="13" name="Straight Connector 12">
+              <a:extLst>
+                <a:ext uri="{FF2B5EF4-FFF2-40B4-BE49-F238E27FC236}">
+                  <a16:creationId xmlns:a16="http://schemas.microsoft.com/office/drawing/2014/main" id="{5C2447E0-8F0D-479C-94E4-82BC8EB68C0C}"/>
+                </a:ext>
+                <a:ext uri="{C183D7F6-B498-43B3-948B-1728B52AA6E4}">
+                  <adec:decorative xmlns:adec="http://schemas.microsoft.com/office/drawing/2017/decorative" val="1"/>
+                </a:ext>
+              </a:extLst>
+            </p:cNvPr>
+            <p:cNvCxnSpPr/>
+            <p:nvPr>
+              <p:extLst>
+                <p:ext uri="{386F3935-93C4-4BCD-93E2-E3B085C9AB24}">
+                  <p16:designElem xmlns:p16="http://schemas.microsoft.com/office/powerpoint/2015/main" val="1"/>
+                </p:ext>
+              </p:extLst>
+            </p:nvPr>
+          </p:nvCxnSpPr>
+          <p:spPr>
+            <a:xfrm>
+              <a:off x="9371012" y="0"/>
+              <a:ext cx="1219200" cy="6858000"/>
+            </a:xfrm>
+            <a:prstGeom prst="line">
+              <a:avLst/>
+            </a:prstGeom>
+            <a:ln w="9525">
+              <a:solidFill>
+                <a:schemeClr val="bg1">
+                  <a:lumMod val="75000"/>
+                </a:schemeClr>
+              </a:solidFill>
+            </a:ln>
+          </p:spPr>
+          <p:style>
+            <a:lnRef idx="2">
+              <a:schemeClr val="accent1"/>
+            </a:lnRef>
+            <a:fillRef idx="0">
+              <a:schemeClr val="accent1"/>
+            </a:fillRef>
+            <a:effectRef idx="1">
+              <a:schemeClr val="accent1"/>
+            </a:effectRef>
+            <a:fontRef idx="minor">
+              <a:schemeClr val="tx1"/>
+            </a:fontRef>
+          </p:style>
+        </p:cxnSp>
+        <p:cxnSp>
+          <p:nvCxnSpPr>
+            <p:cNvPr id="14" name="Straight Connector 13">
+              <a:extLst>
+                <a:ext uri="{FF2B5EF4-FFF2-40B4-BE49-F238E27FC236}">
+                  <a16:creationId xmlns:a16="http://schemas.microsoft.com/office/drawing/2014/main" id="{1F943397-DCDD-44CB-BBA9-9510B7698DD2}"/>
+                </a:ext>
+                <a:ext uri="{C183D7F6-B498-43B3-948B-1728B52AA6E4}">
+                  <adec:decorative xmlns:adec="http://schemas.microsoft.com/office/drawing/2017/decorative" val="1"/>
+                </a:ext>
+              </a:extLst>
+            </p:cNvPr>
+            <p:cNvCxnSpPr/>
+            <p:nvPr>
+              <p:extLst>
+                <p:ext uri="{386F3935-93C4-4BCD-93E2-E3B085C9AB24}">
+                  <p16:designElem xmlns:p16="http://schemas.microsoft.com/office/powerpoint/2015/main" val="1"/>
+                </p:ext>
+              </p:extLst>
+            </p:nvPr>
+          </p:nvCxnSpPr>
+          <p:spPr>
+            <a:xfrm flipH="1">
+              <a:off x="7425267" y="3681413"/>
+              <a:ext cx="4763558" cy="3176587"/>
+            </a:xfrm>
+            <a:prstGeom prst="line">
+              <a:avLst/>
+            </a:prstGeom>
+            <a:ln w="9525">
+              <a:solidFill>
+                <a:schemeClr val="bg1">
+                  <a:lumMod val="85000"/>
+                </a:schemeClr>
+              </a:solidFill>
+            </a:ln>
+          </p:spPr>
+          <p:style>
+            <a:lnRef idx="2">
+              <a:schemeClr val="accent1"/>
+            </a:lnRef>
+            <a:fillRef idx="0">
+              <a:schemeClr val="accent1"/>
+            </a:fillRef>
+            <a:effectRef idx="1">
+              <a:schemeClr val="accent1"/>
+            </a:effectRef>
+            <a:fontRef idx="minor">
+              <a:schemeClr val="tx1"/>
+            </a:fontRef>
+          </p:style>
+        </p:cxnSp>
+        <p:sp>
+          <p:nvSpPr>
+            <p:cNvPr id="15" name="Rectangle 23">
+              <a:extLst>
+                <a:ext uri="{FF2B5EF4-FFF2-40B4-BE49-F238E27FC236}">
+                  <a16:creationId xmlns:a16="http://schemas.microsoft.com/office/drawing/2014/main" id="{E2630ADC-31DB-4C48-AC4A-DAAE5A7B8EA6}"/>
+                </a:ext>
+                <a:ext uri="{C183D7F6-B498-43B3-948B-1728B52AA6E4}">
+                  <adec:decorative xmlns:adec="http://schemas.microsoft.com/office/drawing/2017/decorative" val="1"/>
+                </a:ext>
+              </a:extLst>
+            </p:cNvPr>
+            <p:cNvSpPr/>
+            <p:nvPr>
+              <p:extLst>
+                <p:ext uri="{386F3935-93C4-4BCD-93E2-E3B085C9AB24}">
+                  <p16:designElem xmlns:p16="http://schemas.microsoft.com/office/powerpoint/2015/main" val="1"/>
+                </p:ext>
+              </p:extLst>
+            </p:nvPr>
+          </p:nvSpPr>
+          <p:spPr>
+            <a:xfrm>
+              <a:off x="9181476" y="-8467"/>
+              <a:ext cx="3007349" cy="6866467"/>
+            </a:xfrm>
+            <a:custGeom>
+              <a:avLst/>
+              <a:gdLst/>
+              <a:ahLst/>
+              <a:cxnLst/>
+              <a:rect l="l" t="t" r="r" b="b"/>
+              <a:pathLst>
+                <a:path w="3007349" h="6866467">
+                  <a:moveTo>
+                    <a:pt x="2045532" y="0"/>
+                  </a:moveTo>
+                  <a:lnTo>
+                    <a:pt x="3007349" y="0"/>
+                  </a:lnTo>
+                  <a:lnTo>
+                    <a:pt x="3007349" y="6866467"/>
+                  </a:lnTo>
+                  <a:lnTo>
+                    <a:pt x="0" y="6866467"/>
+                  </a:lnTo>
+                  <a:lnTo>
+                    <a:pt x="2045532" y="0"/>
+                  </a:lnTo>
+                  <a:close/>
+                </a:path>
+              </a:pathLst>
+            </a:custGeom>
+            <a:solidFill>
+              <a:schemeClr val="accent1">
+                <a:alpha val="30000"/>
+              </a:schemeClr>
+            </a:solidFill>
+            <a:ln>
+              <a:noFill/>
+            </a:ln>
+            <a:effectLst/>
+          </p:spPr>
+          <p:style>
+            <a:lnRef idx="1">
+              <a:schemeClr val="accent1"/>
+            </a:lnRef>
+            <a:fillRef idx="3">
+              <a:schemeClr val="accent1"/>
+            </a:fillRef>
+            <a:effectRef idx="2">
+              <a:schemeClr val="accent1"/>
+            </a:effectRef>
+            <a:fontRef idx="minor">
+              <a:schemeClr val="lt1"/>
+            </a:fontRef>
+          </p:style>
+        </p:sp>
+        <p:sp>
+          <p:nvSpPr>
+            <p:cNvPr id="16" name="Rectangle 25">
+              <a:extLst>
+                <a:ext uri="{FF2B5EF4-FFF2-40B4-BE49-F238E27FC236}">
+                  <a16:creationId xmlns:a16="http://schemas.microsoft.com/office/drawing/2014/main" id="{2CA5C44E-F54E-47E0-8989-4D8686B33C80}"/>
+                </a:ext>
+                <a:ext uri="{C183D7F6-B498-43B3-948B-1728B52AA6E4}">
+                  <adec:decorative xmlns:adec="http://schemas.microsoft.com/office/drawing/2017/decorative" val="1"/>
+                </a:ext>
+              </a:extLst>
+            </p:cNvPr>
+            <p:cNvSpPr/>
+            <p:nvPr>
+              <p:extLst>
+                <p:ext uri="{386F3935-93C4-4BCD-93E2-E3B085C9AB24}">
+                  <p16:designElem xmlns:p16="http://schemas.microsoft.com/office/powerpoint/2015/main" val="1"/>
+                </p:ext>
+              </p:extLst>
+            </p:nvPr>
+          </p:nvSpPr>
+          <p:spPr>
+            <a:xfrm>
+              <a:off x="9603442" y="-8467"/>
+              <a:ext cx="2588558" cy="6866467"/>
+            </a:xfrm>
+            <a:custGeom>
+              <a:avLst/>
+              <a:gdLst/>
+              <a:ahLst/>
+              <a:cxnLst/>
+              <a:rect l="l" t="t" r="r" b="b"/>
+              <a:pathLst>
+                <a:path w="2573311" h="6866467">
+                  <a:moveTo>
+                    <a:pt x="0" y="0"/>
+                  </a:moveTo>
+                  <a:lnTo>
+                    <a:pt x="2573311" y="0"/>
+                  </a:lnTo>
+                  <a:lnTo>
+                    <a:pt x="2573311" y="6866467"/>
+                  </a:lnTo>
+                  <a:lnTo>
+                    <a:pt x="1202336" y="6866467"/>
+                  </a:lnTo>
+                  <a:lnTo>
+                    <a:pt x="0" y="0"/>
+                  </a:lnTo>
+                  <a:close/>
+                </a:path>
+              </a:pathLst>
+            </a:custGeom>
+            <a:solidFill>
+              <a:schemeClr val="accent1">
+                <a:alpha val="20000"/>
+              </a:schemeClr>
+            </a:solidFill>
+            <a:ln>
+              <a:noFill/>
+            </a:ln>
+            <a:effectLst/>
+          </p:spPr>
+          <p:style>
+            <a:lnRef idx="1">
+              <a:schemeClr val="accent1"/>
+            </a:lnRef>
+            <a:fillRef idx="3">
+              <a:schemeClr val="accent1"/>
+            </a:fillRef>
+            <a:effectRef idx="2">
+              <a:schemeClr val="accent1"/>
+            </a:effectRef>
+            <a:fontRef idx="minor">
+              <a:schemeClr val="lt1"/>
+            </a:fontRef>
+          </p:style>
+        </p:sp>
+        <p:sp>
+          <p:nvSpPr>
+            <p:cNvPr id="17" name="Isosceles Triangle 16">
+              <a:extLst>
+                <a:ext uri="{FF2B5EF4-FFF2-40B4-BE49-F238E27FC236}">
+                  <a16:creationId xmlns:a16="http://schemas.microsoft.com/office/drawing/2014/main" id="{FF54E15E-830B-4375-A239-4C51954DEAEC}"/>
+                </a:ext>
+                <a:ext uri="{C183D7F6-B498-43B3-948B-1728B52AA6E4}">
+                  <adec:decorative xmlns:adec="http://schemas.microsoft.com/office/drawing/2017/decorative" val="1"/>
+                </a:ext>
+              </a:extLst>
+            </p:cNvPr>
+            <p:cNvSpPr/>
+            <p:nvPr>
+              <p:extLst>
+                <p:ext uri="{386F3935-93C4-4BCD-93E2-E3B085C9AB24}">
+                  <p16:designElem xmlns:p16="http://schemas.microsoft.com/office/powerpoint/2015/main" val="1"/>
+                </p:ext>
+              </p:extLst>
+            </p:nvPr>
+          </p:nvSpPr>
+          <p:spPr>
+            <a:xfrm>
+              <a:off x="8932333" y="3048000"/>
+              <a:ext cx="3259667" cy="3810000"/>
+            </a:xfrm>
+            <a:prstGeom prst="triangle">
+              <a:avLst>
+                <a:gd name="adj" fmla="val 100000"/>
+              </a:avLst>
+            </a:prstGeom>
+            <a:solidFill>
+              <a:schemeClr val="accent2">
+                <a:alpha val="72000"/>
+              </a:schemeClr>
+            </a:solidFill>
+            <a:ln>
+              <a:noFill/>
+            </a:ln>
+            <a:effectLst/>
+          </p:spPr>
+          <p:style>
+            <a:lnRef idx="1">
+              <a:schemeClr val="accent1"/>
+            </a:lnRef>
+            <a:fillRef idx="3">
+              <a:schemeClr val="accent1"/>
+            </a:fillRef>
+            <a:effectRef idx="2">
+              <a:schemeClr val="accent1"/>
+            </a:effectRef>
+            <a:fontRef idx="minor">
+              <a:schemeClr val="lt1"/>
+            </a:fontRef>
+          </p:style>
+        </p:sp>
+        <p:sp>
+          <p:nvSpPr>
+            <p:cNvPr id="18" name="Rectangle 27">
+              <a:extLst>
+                <a:ext uri="{FF2B5EF4-FFF2-40B4-BE49-F238E27FC236}">
+                  <a16:creationId xmlns:a16="http://schemas.microsoft.com/office/drawing/2014/main" id="{CB37E322-FF7E-4872-BD6B-50A48CBEA5CE}"/>
+                </a:ext>
+                <a:ext uri="{C183D7F6-B498-43B3-948B-1728B52AA6E4}">
+                  <adec:decorative xmlns:adec="http://schemas.microsoft.com/office/drawing/2017/decorative" val="1"/>
+                </a:ext>
+              </a:extLst>
+            </p:cNvPr>
+            <p:cNvSpPr/>
+            <p:nvPr>
+              <p:extLst>
+                <p:ext uri="{386F3935-93C4-4BCD-93E2-E3B085C9AB24}">
+                  <p16:designElem xmlns:p16="http://schemas.microsoft.com/office/powerpoint/2015/main" val="1"/>
+                </p:ext>
+              </p:extLst>
+            </p:nvPr>
+          </p:nvSpPr>
+          <p:spPr>
+            <a:xfrm>
+              <a:off x="9334500" y="-8467"/>
+              <a:ext cx="2854326" cy="6866467"/>
+            </a:xfrm>
+            <a:custGeom>
+              <a:avLst/>
+              <a:gdLst/>
+              <a:ahLst/>
+              <a:cxnLst/>
+              <a:rect l="l" t="t" r="r" b="b"/>
+              <a:pathLst>
+                <a:path w="2858013" h="6866467">
+                  <a:moveTo>
+                    <a:pt x="0" y="0"/>
+                  </a:moveTo>
+                  <a:lnTo>
+                    <a:pt x="2858013" y="0"/>
+                  </a:lnTo>
+                  <a:lnTo>
+                    <a:pt x="2858013" y="6866467"/>
+                  </a:lnTo>
+                  <a:lnTo>
+                    <a:pt x="2473942" y="6866467"/>
+                  </a:lnTo>
+                  <a:lnTo>
+                    <a:pt x="0" y="0"/>
+                  </a:lnTo>
+                  <a:close/>
+                </a:path>
+              </a:pathLst>
+            </a:custGeom>
+            <a:solidFill>
+              <a:schemeClr val="accent2">
+                <a:lumMod val="75000"/>
+                <a:alpha val="70000"/>
+              </a:schemeClr>
+            </a:solidFill>
+            <a:ln>
+              <a:noFill/>
+            </a:ln>
+            <a:effectLst/>
+          </p:spPr>
+          <p:style>
+            <a:lnRef idx="1">
+              <a:schemeClr val="accent1"/>
+            </a:lnRef>
+            <a:fillRef idx="3">
+              <a:schemeClr val="accent1"/>
+            </a:fillRef>
+            <a:effectRef idx="2">
+              <a:schemeClr val="accent1"/>
+            </a:effectRef>
+            <a:fontRef idx="minor">
+              <a:schemeClr val="lt1"/>
+            </a:fontRef>
+          </p:style>
+        </p:sp>
+        <p:sp>
+          <p:nvSpPr>
+            <p:cNvPr id="19" name="Rectangle 28">
+              <a:extLst>
+                <a:ext uri="{FF2B5EF4-FFF2-40B4-BE49-F238E27FC236}">
+                  <a16:creationId xmlns:a16="http://schemas.microsoft.com/office/drawing/2014/main" id="{710D0C1E-D2F8-45B2-AE14-1AC8E976F7A2}"/>
+                </a:ext>
+                <a:ext uri="{C183D7F6-B498-43B3-948B-1728B52AA6E4}">
+                  <adec:decorative xmlns:adec="http://schemas.microsoft.com/office/drawing/2017/decorative" val="1"/>
+                </a:ext>
+              </a:extLst>
+            </p:cNvPr>
+            <p:cNvSpPr/>
+            <p:nvPr>
+              <p:extLst>
+                <p:ext uri="{386F3935-93C4-4BCD-93E2-E3B085C9AB24}">
+                  <p16:designElem xmlns:p16="http://schemas.microsoft.com/office/powerpoint/2015/main" val="1"/>
+                </p:ext>
+              </p:extLst>
+            </p:nvPr>
+          </p:nvSpPr>
+          <p:spPr>
+            <a:xfrm>
+              <a:off x="10898730" y="-8467"/>
+              <a:ext cx="1290094" cy="6866467"/>
+            </a:xfrm>
+            <a:custGeom>
+              <a:avLst/>
+              <a:gdLst/>
+              <a:ahLst/>
+              <a:cxnLst/>
+              <a:rect l="l" t="t" r="r" b="b"/>
+              <a:pathLst>
+                <a:path w="1290094" h="6858000">
+                  <a:moveTo>
+                    <a:pt x="1019735" y="0"/>
+                  </a:moveTo>
+                  <a:lnTo>
+                    <a:pt x="1290094" y="0"/>
+                  </a:lnTo>
+                  <a:lnTo>
+                    <a:pt x="1290094" y="6858000"/>
+                  </a:lnTo>
+                  <a:lnTo>
+                    <a:pt x="0" y="6858000"/>
+                  </a:lnTo>
+                  <a:lnTo>
+                    <a:pt x="1019735" y="0"/>
+                  </a:lnTo>
+                  <a:close/>
+                </a:path>
+              </a:pathLst>
+            </a:custGeom>
+            <a:solidFill>
+              <a:schemeClr val="accent1">
+                <a:lumMod val="60000"/>
+                <a:lumOff val="40000"/>
+                <a:alpha val="70000"/>
+              </a:schemeClr>
+            </a:solidFill>
+            <a:ln>
+              <a:noFill/>
+            </a:ln>
+            <a:effectLst/>
+          </p:spPr>
+          <p:style>
+            <a:lnRef idx="1">
+              <a:schemeClr val="accent1"/>
+            </a:lnRef>
+            <a:fillRef idx="3">
+              <a:schemeClr val="accent1"/>
+            </a:fillRef>
+            <a:effectRef idx="2">
+              <a:schemeClr val="accent1"/>
+            </a:effectRef>
+            <a:fontRef idx="minor">
+              <a:schemeClr val="lt1"/>
+            </a:fontRef>
+          </p:style>
+        </p:sp>
+        <p:sp>
+          <p:nvSpPr>
+            <p:cNvPr id="20" name="Rectangle 29">
+              <a:extLst>
+                <a:ext uri="{FF2B5EF4-FFF2-40B4-BE49-F238E27FC236}">
+                  <a16:creationId xmlns:a16="http://schemas.microsoft.com/office/drawing/2014/main" id="{3216331B-17D0-4167-ABD2-B2198058C2D2}"/>
+                </a:ext>
+                <a:ext uri="{C183D7F6-B498-43B3-948B-1728B52AA6E4}">
+                  <adec:decorative xmlns:adec="http://schemas.microsoft.com/office/drawing/2017/decorative" val="1"/>
+                </a:ext>
+              </a:extLst>
+            </p:cNvPr>
+            <p:cNvSpPr/>
+            <p:nvPr>
+              <p:extLst>
+                <p:ext uri="{386F3935-93C4-4BCD-93E2-E3B085C9AB24}">
+                  <p16:designElem xmlns:p16="http://schemas.microsoft.com/office/powerpoint/2015/main" val="1"/>
+                </p:ext>
+              </p:extLst>
+            </p:nvPr>
+          </p:nvSpPr>
+          <p:spPr>
+            <a:xfrm>
+              <a:off x="10938999" y="-8467"/>
+              <a:ext cx="1249825" cy="6866467"/>
+            </a:xfrm>
+            <a:custGeom>
+              <a:avLst/>
+              <a:gdLst/>
+              <a:ahLst/>
+              <a:cxnLst/>
+              <a:rect l="l" t="t" r="r" b="b"/>
+              <a:pathLst>
+                <a:path w="1249825" h="6858000">
+                  <a:moveTo>
+                    <a:pt x="0" y="0"/>
+                  </a:moveTo>
+                  <a:lnTo>
+                    <a:pt x="1249825" y="0"/>
+                  </a:lnTo>
+                  <a:lnTo>
+                    <a:pt x="1249825" y="6858000"/>
+                  </a:lnTo>
+                  <a:lnTo>
+                    <a:pt x="1109382" y="6858000"/>
+                  </a:lnTo>
+                  <a:lnTo>
+                    <a:pt x="0" y="0"/>
+                  </a:lnTo>
+                  <a:close/>
+                </a:path>
+              </a:pathLst>
+            </a:custGeom>
+            <a:solidFill>
+              <a:schemeClr val="accent1">
+                <a:alpha val="65000"/>
+              </a:schemeClr>
+            </a:solidFill>
+            <a:ln>
+              <a:noFill/>
+            </a:ln>
+            <a:effectLst/>
+          </p:spPr>
+          <p:style>
+            <a:lnRef idx="1">
+              <a:schemeClr val="accent1"/>
+            </a:lnRef>
+            <a:fillRef idx="3">
+              <a:schemeClr val="accent1"/>
+            </a:fillRef>
+            <a:effectRef idx="2">
+              <a:schemeClr val="accent1"/>
+            </a:effectRef>
+            <a:fontRef idx="minor">
+              <a:schemeClr val="lt1"/>
+            </a:fontRef>
+          </p:style>
+        </p:sp>
+        <p:sp>
+          <p:nvSpPr>
+            <p:cNvPr id="21" name="Isosceles Triangle 20">
+              <a:extLst>
+                <a:ext uri="{FF2B5EF4-FFF2-40B4-BE49-F238E27FC236}">
+                  <a16:creationId xmlns:a16="http://schemas.microsoft.com/office/drawing/2014/main" id="{A53A7A96-3806-4BB3-91DE-6EED48AC787E}"/>
+                </a:ext>
+                <a:ext uri="{C183D7F6-B498-43B3-948B-1728B52AA6E4}">
+                  <adec:decorative xmlns:adec="http://schemas.microsoft.com/office/drawing/2017/decorative" val="1"/>
+                </a:ext>
+              </a:extLst>
+            </p:cNvPr>
+            <p:cNvSpPr/>
+            <p:nvPr>
+              <p:extLst>
+                <p:ext uri="{386F3935-93C4-4BCD-93E2-E3B085C9AB24}">
+                  <p16:designElem xmlns:p16="http://schemas.microsoft.com/office/powerpoint/2015/main" val="1"/>
+                </p:ext>
+              </p:extLst>
+            </p:nvPr>
+          </p:nvSpPr>
+          <p:spPr>
+            <a:xfrm>
+              <a:off x="10371666" y="3589867"/>
+              <a:ext cx="1817159" cy="3268133"/>
+            </a:xfrm>
+            <a:prstGeom prst="triangle">
+              <a:avLst>
+                <a:gd name="adj" fmla="val 100000"/>
+              </a:avLst>
+            </a:prstGeom>
+            <a:solidFill>
+              <a:schemeClr val="accent1">
+                <a:alpha val="80000"/>
+              </a:schemeClr>
+            </a:solidFill>
+            <a:ln>
+              <a:noFill/>
+            </a:ln>
+            <a:effectLst/>
+          </p:spPr>
+          <p:style>
+            <a:lnRef idx="1">
+              <a:schemeClr val="accent1"/>
+            </a:lnRef>
+            <a:fillRef idx="3">
+              <a:schemeClr val="accent1"/>
+            </a:fillRef>
+            <a:effectRef idx="2">
+              <a:schemeClr val="accent1"/>
+            </a:effectRef>
+            <a:fontRef idx="minor">
+              <a:schemeClr val="lt1"/>
+            </a:fontRef>
+          </p:style>
+        </p:sp>
+        <p:sp>
+          <p:nvSpPr>
+            <p:cNvPr id="22" name="Isosceles Triangle 21">
+              <a:extLst>
+                <a:ext uri="{FF2B5EF4-FFF2-40B4-BE49-F238E27FC236}">
+                  <a16:creationId xmlns:a16="http://schemas.microsoft.com/office/drawing/2014/main" id="{F8C2B86C-EE71-466E-8991-503F9C9C1B22}"/>
+                </a:ext>
+                <a:ext uri="{C183D7F6-B498-43B3-948B-1728B52AA6E4}">
+                  <adec:decorative xmlns:adec="http://schemas.microsoft.com/office/drawing/2017/decorative" val="1"/>
+                </a:ext>
+              </a:extLst>
+            </p:cNvPr>
+            <p:cNvSpPr/>
+            <p:nvPr>
+              <p:extLst>
+                <p:ext uri="{386F3935-93C4-4BCD-93E2-E3B085C9AB24}">
+                  <p16:designElem xmlns:p16="http://schemas.microsoft.com/office/powerpoint/2015/main" val="1"/>
+                </p:ext>
+              </p:extLst>
+            </p:nvPr>
+          </p:nvSpPr>
+          <p:spPr>
+            <a:xfrm rot="10800000">
+              <a:off x="0" y="0"/>
+              <a:ext cx="842596" cy="5666154"/>
+            </a:xfrm>
+            <a:prstGeom prst="triangle">
+              <a:avLst>
+                <a:gd name="adj" fmla="val 100000"/>
+              </a:avLst>
+            </a:prstGeom>
+            <a:solidFill>
+              <a:schemeClr val="accent1">
+                <a:alpha val="85000"/>
+              </a:schemeClr>
+            </a:solidFill>
+            <a:ln>
+              <a:noFill/>
+            </a:ln>
+            <a:effectLst/>
+          </p:spPr>
+          <p:style>
+            <a:lnRef idx="1">
+              <a:schemeClr val="accent1"/>
+            </a:lnRef>
+            <a:fillRef idx="3">
+              <a:schemeClr val="accent1"/>
+            </a:fillRef>
+            <a:effectRef idx="2">
+              <a:schemeClr val="accent1"/>
+            </a:effectRef>
+            <a:fontRef idx="minor">
+              <a:schemeClr val="lt1"/>
+            </a:fontRef>
+          </p:style>
+        </p:sp>
+      </p:grpSp>
       <p:sp>
         <p:nvSpPr>
           <p:cNvPr id="2" name="Titel 1">
@@ -6411,20 +7959,39 @@
             <p:ph type="title"/>
           </p:nvPr>
         </p:nvSpPr>
-        <p:spPr/>
-        <p:txBody>
-          <a:bodyPr/>
+        <p:spPr>
+          <a:xfrm>
+            <a:off x="6094409" y="835015"/>
+            <a:ext cx="3179593" cy="3215821"/>
+          </a:xfrm>
+        </p:spPr>
+        <p:txBody>
+          <a:bodyPr vert="horz" lIns="91440" tIns="45720" rIns="91440" bIns="45720" rtlCol="0" anchor="b">
+            <a:normAutofit/>
+          </a:bodyPr>
           <a:lstStyle/>
           <a:p>
-            <a:r>
-              <a:rPr lang="de-DE" dirty="0"/>
-              <a:t>Gaußsches Eliminationsverfahren Schritt </a:t>
-            </a:r>
-            <a:r>
-              <a:rPr lang="de-DE"/>
-              <a:t>für Schritt I	</a:t>
-            </a:r>
-            <a:endParaRPr lang="de-AT"/>
+            <a:pPr algn="r">
+              <a:lnSpc>
+                <a:spcPct val="90000"/>
+              </a:lnSpc>
+            </a:pPr>
+            <a:r>
+              <a:rPr lang="en-US" sz="2200" dirty="0" err="1"/>
+              <a:t>Gaußsches</a:t>
+            </a:r>
+            <a:r>
+              <a:rPr lang="en-US" sz="2200" dirty="0"/>
+              <a:t> </a:t>
+            </a:r>
+            <a:r>
+              <a:rPr lang="en-US" sz="2200" dirty="0" err="1"/>
+              <a:t>Eliminationsverfahren</a:t>
+            </a:r>
+            <a:r>
+              <a:rPr lang="en-US" sz="2200" dirty="0"/>
+              <a:t> Schritt für Schritt I	</a:t>
+            </a:r>
           </a:p>
         </p:txBody>
       </p:sp>
@@ -6444,19 +8011,1878 @@
             <p:ph idx="1"/>
           </p:nvPr>
         </p:nvSpPr>
-        <p:spPr/>
-        <p:txBody>
-          <a:bodyPr/>
+        <p:spPr>
+          <a:xfrm>
+            <a:off x="5880790" y="4011627"/>
+            <a:ext cx="3445278" cy="2424612"/>
+          </a:xfrm>
+        </p:spPr>
+        <p:txBody>
+          <a:bodyPr vert="horz" lIns="91440" tIns="45720" rIns="91440" bIns="45720" rtlCol="0" anchor="t">
+            <a:normAutofit/>
+          </a:bodyPr>
           <a:lstStyle/>
           <a:p>
-            <a:endParaRPr lang="de-AT"/>
-          </a:p>
-        </p:txBody>
-      </p:sp>
+            <a:pPr marL="0" indent="0" algn="r">
+              <a:buNone/>
+            </a:pPr>
+            <a:r>
+              <a:rPr lang="en-US" dirty="0">
+                <a:solidFill>
+                  <a:schemeClr val="tx1">
+                    <a:lumMod val="50000"/>
+                    <a:lumOff val="50000"/>
+                  </a:schemeClr>
+                </a:solidFill>
+              </a:rPr>
+              <a:t>Als </a:t>
+            </a:r>
+            <a:r>
+              <a:rPr lang="en-US" dirty="0" err="1">
+                <a:solidFill>
+                  <a:schemeClr val="tx1">
+                    <a:lumMod val="50000"/>
+                    <a:lumOff val="50000"/>
+                  </a:schemeClr>
+                </a:solidFill>
+              </a:rPr>
+              <a:t>erstes</a:t>
+            </a:r>
+            <a:r>
+              <a:rPr lang="en-US" dirty="0">
+                <a:solidFill>
+                  <a:schemeClr val="tx1">
+                    <a:lumMod val="50000"/>
+                    <a:lumOff val="50000"/>
+                  </a:schemeClr>
+                </a:solidFill>
+              </a:rPr>
+              <a:t> </a:t>
+            </a:r>
+            <a:r>
+              <a:rPr lang="en-US" dirty="0" err="1">
+                <a:solidFill>
+                  <a:schemeClr val="tx1">
+                    <a:lumMod val="50000"/>
+                    <a:lumOff val="50000"/>
+                  </a:schemeClr>
+                </a:solidFill>
+              </a:rPr>
+              <a:t>formen</a:t>
+            </a:r>
+            <a:r>
+              <a:rPr lang="en-US" dirty="0">
+                <a:solidFill>
+                  <a:schemeClr val="tx1">
+                    <a:lumMod val="50000"/>
+                    <a:lumOff val="50000"/>
+                  </a:schemeClr>
+                </a:solidFill>
+              </a:rPr>
+              <a:t> </a:t>
+            </a:r>
+            <a:r>
+              <a:rPr lang="en-US" dirty="0" err="1">
+                <a:solidFill>
+                  <a:schemeClr val="tx1">
+                    <a:lumMod val="50000"/>
+                    <a:lumOff val="50000"/>
+                  </a:schemeClr>
+                </a:solidFill>
+              </a:rPr>
+              <a:t>wir</a:t>
+            </a:r>
+            <a:r>
+              <a:rPr lang="en-US" dirty="0">
+                <a:solidFill>
+                  <a:schemeClr val="tx1">
+                    <a:lumMod val="50000"/>
+                    <a:lumOff val="50000"/>
+                  </a:schemeClr>
+                </a:solidFill>
+              </a:rPr>
+              <a:t> das </a:t>
+            </a:r>
+            <a:r>
+              <a:rPr lang="en-US" dirty="0" err="1">
+                <a:solidFill>
+                  <a:schemeClr val="tx1">
+                    <a:lumMod val="50000"/>
+                    <a:lumOff val="50000"/>
+                  </a:schemeClr>
+                </a:solidFill>
+              </a:rPr>
+              <a:t>Gleichungssystem</a:t>
+            </a:r>
+            <a:r>
+              <a:rPr lang="en-US" dirty="0">
+                <a:solidFill>
+                  <a:schemeClr val="tx1">
+                    <a:lumMod val="50000"/>
+                    <a:lumOff val="50000"/>
+                  </a:schemeClr>
+                </a:solidFill>
+              </a:rPr>
+              <a:t> auf </a:t>
+            </a:r>
+            <a:r>
+              <a:rPr lang="en-US" dirty="0" err="1">
+                <a:solidFill>
+                  <a:schemeClr val="tx1">
+                    <a:lumMod val="50000"/>
+                    <a:lumOff val="50000"/>
+                  </a:schemeClr>
+                </a:solidFill>
+              </a:rPr>
+              <a:t>Matrixschreibweise</a:t>
+            </a:r>
+            <a:r>
+              <a:rPr lang="en-US" dirty="0">
+                <a:solidFill>
+                  <a:schemeClr val="tx1">
+                    <a:lumMod val="50000"/>
+                    <a:lumOff val="50000"/>
+                  </a:schemeClr>
+                </a:solidFill>
+              </a:rPr>
+              <a:t> um, </a:t>
+            </a:r>
+            <a:r>
+              <a:rPr lang="en-US" dirty="0" err="1">
+                <a:solidFill>
+                  <a:schemeClr val="tx1">
+                    <a:lumMod val="50000"/>
+                    <a:lumOff val="50000"/>
+                  </a:schemeClr>
+                </a:solidFill>
+              </a:rPr>
+              <a:t>wie</a:t>
+            </a:r>
+            <a:r>
+              <a:rPr lang="en-US" dirty="0">
+                <a:solidFill>
+                  <a:schemeClr val="tx1">
+                    <a:lumMod val="50000"/>
+                    <a:lumOff val="50000"/>
+                  </a:schemeClr>
+                </a:solidFill>
+              </a:rPr>
+              <a:t> </a:t>
+            </a:r>
+            <a:r>
+              <a:rPr lang="en-US" dirty="0" err="1">
+                <a:solidFill>
+                  <a:schemeClr val="tx1">
+                    <a:lumMod val="50000"/>
+                    <a:lumOff val="50000"/>
+                  </a:schemeClr>
+                </a:solidFill>
+              </a:rPr>
+              <a:t>im</a:t>
+            </a:r>
+            <a:r>
+              <a:rPr lang="en-US" dirty="0">
+                <a:solidFill>
+                  <a:schemeClr val="tx1">
+                    <a:lumMod val="50000"/>
+                    <a:lumOff val="50000"/>
+                  </a:schemeClr>
+                </a:solidFill>
+              </a:rPr>
+              <a:t> </a:t>
+            </a:r>
+            <a:r>
+              <a:rPr lang="en-US" dirty="0" err="1">
+                <a:solidFill>
+                  <a:schemeClr val="tx1">
+                    <a:lumMod val="50000"/>
+                    <a:lumOff val="50000"/>
+                  </a:schemeClr>
+                </a:solidFill>
+              </a:rPr>
+              <a:t>Matheunterricht</a:t>
+            </a:r>
+            <a:r>
+              <a:rPr lang="en-US" dirty="0">
+                <a:solidFill>
+                  <a:schemeClr val="tx1">
+                    <a:lumMod val="50000"/>
+                    <a:lumOff val="50000"/>
+                  </a:schemeClr>
+                </a:solidFill>
+              </a:rPr>
+              <a:t> </a:t>
+            </a:r>
+            <a:r>
+              <a:rPr lang="en-US" dirty="0" err="1">
+                <a:solidFill>
+                  <a:schemeClr val="tx1">
+                    <a:lumMod val="50000"/>
+                    <a:lumOff val="50000"/>
+                  </a:schemeClr>
+                </a:solidFill>
+              </a:rPr>
+              <a:t>bereits</a:t>
+            </a:r>
+            <a:r>
+              <a:rPr lang="en-US" dirty="0">
+                <a:solidFill>
+                  <a:schemeClr val="tx1">
+                    <a:lumMod val="50000"/>
+                    <a:lumOff val="50000"/>
+                  </a:schemeClr>
+                </a:solidFill>
+              </a:rPr>
+              <a:t> </a:t>
+            </a:r>
+            <a:r>
+              <a:rPr lang="en-US" dirty="0" err="1">
+                <a:solidFill>
+                  <a:schemeClr val="tx1">
+                    <a:lumMod val="50000"/>
+                    <a:lumOff val="50000"/>
+                  </a:schemeClr>
+                </a:solidFill>
+              </a:rPr>
+              <a:t>gelernt</a:t>
+            </a:r>
+            <a:r>
+              <a:rPr lang="en-US" dirty="0">
+                <a:solidFill>
+                  <a:schemeClr val="tx1">
+                    <a:lumMod val="50000"/>
+                    <a:lumOff val="50000"/>
+                  </a:schemeClr>
+                </a:solidFill>
+              </a:rPr>
+              <a:t>.</a:t>
+            </a:r>
+          </a:p>
+          <a:p>
+            <a:pPr marL="0" indent="0" algn="r">
+              <a:buNone/>
+            </a:pPr>
+            <a:r>
+              <a:rPr lang="en-US" dirty="0" err="1">
+                <a:solidFill>
+                  <a:schemeClr val="tx1">
+                    <a:lumMod val="50000"/>
+                    <a:lumOff val="50000"/>
+                  </a:schemeClr>
+                </a:solidFill>
+              </a:rPr>
+              <a:t>Wenn</a:t>
+            </a:r>
+            <a:r>
+              <a:rPr lang="en-US" dirty="0">
+                <a:solidFill>
+                  <a:schemeClr val="tx1">
+                    <a:lumMod val="50000"/>
+                    <a:lumOff val="50000"/>
+                  </a:schemeClr>
+                </a:solidFill>
+              </a:rPr>
+              <a:t> </a:t>
+            </a:r>
+            <a:r>
+              <a:rPr lang="en-US" dirty="0" err="1">
+                <a:solidFill>
+                  <a:schemeClr val="tx1">
+                    <a:lumMod val="50000"/>
+                    <a:lumOff val="50000"/>
+                  </a:schemeClr>
+                </a:solidFill>
+              </a:rPr>
+              <a:t>keine</a:t>
+            </a:r>
+            <a:r>
+              <a:rPr lang="en-US" dirty="0">
+                <a:solidFill>
+                  <a:schemeClr val="tx1">
+                    <a:lumMod val="50000"/>
+                    <a:lumOff val="50000"/>
+                  </a:schemeClr>
+                </a:solidFill>
+              </a:rPr>
+              <a:t> </a:t>
+            </a:r>
+            <a:r>
+              <a:rPr lang="en-US" dirty="0" err="1">
+                <a:solidFill>
+                  <a:schemeClr val="tx1">
+                    <a:lumMod val="50000"/>
+                    <a:lumOff val="50000"/>
+                  </a:schemeClr>
+                </a:solidFill>
+              </a:rPr>
+              <a:t>Zahl</a:t>
+            </a:r>
+            <a:r>
+              <a:rPr lang="en-US" dirty="0">
+                <a:solidFill>
+                  <a:schemeClr val="tx1">
+                    <a:lumMod val="50000"/>
+                    <a:lumOff val="50000"/>
+                  </a:schemeClr>
+                </a:solidFill>
+              </a:rPr>
+              <a:t> </a:t>
+            </a:r>
+            <a:r>
+              <a:rPr lang="en-US" dirty="0" err="1">
+                <a:solidFill>
+                  <a:schemeClr val="tx1">
+                    <a:lumMod val="50000"/>
+                    <a:lumOff val="50000"/>
+                  </a:schemeClr>
+                </a:solidFill>
+              </a:rPr>
+              <a:t>vor</a:t>
+            </a:r>
+            <a:r>
+              <a:rPr lang="en-US" dirty="0">
+                <a:solidFill>
+                  <a:schemeClr val="tx1">
+                    <a:lumMod val="50000"/>
+                    <a:lumOff val="50000"/>
+                  </a:schemeClr>
+                </a:solidFill>
+              </a:rPr>
+              <a:t> der Variable </a:t>
+            </a:r>
+            <a:r>
+              <a:rPr lang="en-US" dirty="0" err="1">
+                <a:solidFill>
+                  <a:schemeClr val="tx1">
+                    <a:lumMod val="50000"/>
+                    <a:lumOff val="50000"/>
+                  </a:schemeClr>
+                </a:solidFill>
+              </a:rPr>
+              <a:t>steht</a:t>
+            </a:r>
+            <a:r>
+              <a:rPr lang="en-US" dirty="0">
+                <a:solidFill>
+                  <a:schemeClr val="tx1">
+                    <a:lumMod val="50000"/>
+                    <a:lumOff val="50000"/>
+                  </a:schemeClr>
+                </a:solidFill>
+              </a:rPr>
+              <a:t> -&gt; 1, </a:t>
+            </a:r>
+            <a:r>
+              <a:rPr lang="en-US" dirty="0" err="1">
+                <a:solidFill>
+                  <a:schemeClr val="tx1">
+                    <a:lumMod val="50000"/>
+                    <a:lumOff val="50000"/>
+                  </a:schemeClr>
+                </a:solidFill>
+              </a:rPr>
+              <a:t>ansonsten</a:t>
+            </a:r>
+            <a:r>
+              <a:rPr lang="en-US" dirty="0">
+                <a:solidFill>
+                  <a:schemeClr val="tx1">
+                    <a:lumMod val="50000"/>
+                    <a:lumOff val="50000"/>
+                  </a:schemeClr>
+                </a:solidFill>
+              </a:rPr>
+              <a:t> </a:t>
+            </a:r>
+            <a:r>
+              <a:rPr lang="en-US" dirty="0" err="1">
+                <a:solidFill>
+                  <a:schemeClr val="tx1">
+                    <a:lumMod val="50000"/>
+                    <a:lumOff val="50000"/>
+                  </a:schemeClr>
+                </a:solidFill>
+              </a:rPr>
+              <a:t>immer</a:t>
+            </a:r>
+            <a:r>
+              <a:rPr lang="en-US" dirty="0">
+                <a:solidFill>
+                  <a:schemeClr val="tx1">
+                    <a:lumMod val="50000"/>
+                    <a:lumOff val="50000"/>
+                  </a:schemeClr>
+                </a:solidFill>
+              </a:rPr>
+              <a:t> die </a:t>
+            </a:r>
+            <a:r>
+              <a:rPr lang="en-US" dirty="0" err="1">
+                <a:solidFill>
+                  <a:schemeClr val="tx1">
+                    <a:lumMod val="50000"/>
+                    <a:lumOff val="50000"/>
+                  </a:schemeClr>
+                </a:solidFill>
+              </a:rPr>
+              <a:t>Zahl</a:t>
+            </a:r>
+            <a:r>
+              <a:rPr lang="en-US" dirty="0">
+                <a:solidFill>
+                  <a:schemeClr val="tx1">
+                    <a:lumMod val="50000"/>
+                    <a:lumOff val="50000"/>
+                  </a:schemeClr>
+                </a:solidFill>
+              </a:rPr>
+              <a:t> </a:t>
+            </a:r>
+            <a:r>
+              <a:rPr lang="en-US" dirty="0" err="1">
+                <a:solidFill>
+                  <a:schemeClr val="tx1">
+                    <a:lumMod val="50000"/>
+                    <a:lumOff val="50000"/>
+                  </a:schemeClr>
+                </a:solidFill>
+              </a:rPr>
+              <a:t>angeben</a:t>
+            </a:r>
+            <a:endParaRPr lang="en-US" dirty="0">
+              <a:solidFill>
+                <a:schemeClr val="tx1">
+                  <a:lumMod val="50000"/>
+                  <a:lumOff val="50000"/>
+                </a:schemeClr>
+              </a:solidFill>
+            </a:endParaRPr>
+          </a:p>
+        </p:txBody>
+      </p:sp>
+      <p:pic>
+        <p:nvPicPr>
+          <p:cNvPr id="5" name="Grafik 4">
+            <a:extLst>
+              <a:ext uri="{FF2B5EF4-FFF2-40B4-BE49-F238E27FC236}">
+                <a16:creationId xmlns:a16="http://schemas.microsoft.com/office/drawing/2014/main" id="{0BA69C2A-AF1F-F4D5-340B-B0490016E07B}"/>
+              </a:ext>
+            </a:extLst>
+          </p:cNvPr>
+          <p:cNvPicPr>
+            <a:picLocks noChangeAspect="1"/>
+          </p:cNvPicPr>
+          <p:nvPr/>
+        </p:nvPicPr>
+        <p:blipFill>
+          <a:blip r:embed="rId2"/>
+          <a:stretch>
+            <a:fillRect/>
+          </a:stretch>
+        </p:blipFill>
+        <p:spPr>
+          <a:xfrm>
+            <a:off x="887872" y="1144935"/>
+            <a:ext cx="4977562" cy="2367378"/>
+          </a:xfrm>
+          <a:prstGeom prst="rect">
+            <a:avLst/>
+          </a:prstGeom>
+        </p:spPr>
+      </p:pic>
+      <p:pic>
+        <p:nvPicPr>
+          <p:cNvPr id="7" name="Grafik 6">
+            <a:extLst>
+              <a:ext uri="{FF2B5EF4-FFF2-40B4-BE49-F238E27FC236}">
+                <a16:creationId xmlns:a16="http://schemas.microsoft.com/office/drawing/2014/main" id="{2248943A-6696-87AF-DCD1-C6142017E023}"/>
+              </a:ext>
+            </a:extLst>
+          </p:cNvPr>
+          <p:cNvPicPr>
+            <a:picLocks noChangeAspect="1"/>
+          </p:cNvPicPr>
+          <p:nvPr/>
+        </p:nvPicPr>
+        <p:blipFill>
+          <a:blip r:embed="rId3"/>
+          <a:stretch>
+            <a:fillRect/>
+          </a:stretch>
+        </p:blipFill>
+        <p:spPr>
+          <a:xfrm>
+            <a:off x="910492" y="4050833"/>
+            <a:ext cx="4933786" cy="1990528"/>
+          </a:xfrm>
+          <a:prstGeom prst="rect">
+            <a:avLst/>
+          </a:prstGeom>
+        </p:spPr>
+      </p:pic>
     </p:spTree>
     <p:extLst>
       <p:ext uri="{BB962C8B-B14F-4D97-AF65-F5344CB8AC3E}">
         <p14:creationId xmlns:p14="http://schemas.microsoft.com/office/powerpoint/2010/main" val="1282604228"/>
+      </p:ext>
+    </p:extLst>
+  </p:cSld>
+  <p:clrMapOvr>
+    <a:masterClrMapping/>
+  </p:clrMapOvr>
+</p:sld>
+</file>
+
+<file path=ppt/slides/slide6.xml><?xml version="1.0" encoding="utf-8"?>
+<p:sld xmlns:a="http://schemas.openxmlformats.org/drawingml/2006/main" xmlns:r="http://schemas.openxmlformats.org/officeDocument/2006/relationships" xmlns:p="http://schemas.openxmlformats.org/presentationml/2006/main">
+  <p:cSld>
+    <p:bg>
+      <p:bgPr>
+        <a:solidFill>
+          <a:schemeClr val="bg1"/>
+        </a:solidFill>
+        <a:effectLst/>
+      </p:bgPr>
+    </p:bg>
+    <p:spTree>
+      <p:nvGrpSpPr>
+        <p:cNvPr id="1" name=""/>
+        <p:cNvGrpSpPr/>
+        <p:nvPr/>
+      </p:nvGrpSpPr>
+      <p:grpSpPr>
+        <a:xfrm>
+          <a:off x="0" y="0"/>
+          <a:ext cx="0" cy="0"/>
+          <a:chOff x="0" y="0"/>
+          <a:chExt cx="0" cy="0"/>
+        </a:xfrm>
+      </p:grpSpPr>
+      <p:sp>
+        <p:nvSpPr>
+          <p:cNvPr id="2" name="Titel 1">
+            <a:extLst>
+              <a:ext uri="{FF2B5EF4-FFF2-40B4-BE49-F238E27FC236}">
+                <a16:creationId xmlns:a16="http://schemas.microsoft.com/office/drawing/2014/main" id="{2BC92548-D3C5-7B79-AA6A-B234B421288F}"/>
+              </a:ext>
+            </a:extLst>
+          </p:cNvPr>
+          <p:cNvSpPr>
+            <a:spLocks noGrp="1"/>
+          </p:cNvSpPr>
+          <p:nvPr>
+            <p:ph type="title"/>
+          </p:nvPr>
+        </p:nvSpPr>
+        <p:spPr>
+          <a:xfrm>
+            <a:off x="677334" y="609600"/>
+            <a:ext cx="8596668" cy="1320800"/>
+          </a:xfrm>
+        </p:spPr>
+        <p:txBody>
+          <a:bodyPr>
+            <a:normAutofit/>
+          </a:bodyPr>
+          <a:lstStyle/>
+          <a:p>
+            <a:r>
+              <a:rPr lang="en-US" dirty="0" err="1"/>
+              <a:t>Gaußsches</a:t>
+            </a:r>
+            <a:r>
+              <a:rPr lang="en-US" dirty="0"/>
+              <a:t> </a:t>
+            </a:r>
+            <a:r>
+              <a:rPr lang="en-US" dirty="0" err="1"/>
+              <a:t>Eliminationsverfahren</a:t>
+            </a:r>
+            <a:r>
+              <a:rPr lang="en-US" dirty="0"/>
+              <a:t> Schritt für Schritt II	</a:t>
+            </a:r>
+            <a:endParaRPr lang="de-AT" dirty="0"/>
+          </a:p>
+        </p:txBody>
+      </p:sp>
+      <p:pic>
+        <p:nvPicPr>
+          <p:cNvPr id="7" name="Grafik 6">
+            <a:extLst>
+              <a:ext uri="{FF2B5EF4-FFF2-40B4-BE49-F238E27FC236}">
+                <a16:creationId xmlns:a16="http://schemas.microsoft.com/office/drawing/2014/main" id="{55022DBF-F131-93E2-8CF7-98E0EDC2C2C9}"/>
+              </a:ext>
+            </a:extLst>
+          </p:cNvPr>
+          <p:cNvPicPr>
+            <a:picLocks noChangeAspect="1"/>
+          </p:cNvPicPr>
+          <p:nvPr/>
+        </p:nvPicPr>
+        <p:blipFill>
+          <a:blip r:embed="rId2"/>
+          <a:stretch>
+            <a:fillRect/>
+          </a:stretch>
+        </p:blipFill>
+        <p:spPr>
+          <a:xfrm>
+            <a:off x="1038289" y="2159663"/>
+            <a:ext cx="3222636" cy="1826549"/>
+          </a:xfrm>
+          <a:prstGeom prst="rect">
+            <a:avLst/>
+          </a:prstGeom>
+        </p:spPr>
+      </p:pic>
+      <p:sp>
+        <p:nvSpPr>
+          <p:cNvPr id="3" name="Inhaltsplatzhalter 2">
+            <a:extLst>
+              <a:ext uri="{FF2B5EF4-FFF2-40B4-BE49-F238E27FC236}">
+                <a16:creationId xmlns:a16="http://schemas.microsoft.com/office/drawing/2014/main" id="{8BCC366E-3A23-6301-C308-7BCEA8C04FD7}"/>
+              </a:ext>
+            </a:extLst>
+          </p:cNvPr>
+          <p:cNvSpPr>
+            <a:spLocks noGrp="1"/>
+          </p:cNvSpPr>
+          <p:nvPr>
+            <p:ph idx="1"/>
+          </p:nvPr>
+        </p:nvSpPr>
+        <p:spPr>
+          <a:xfrm>
+            <a:off x="4863283" y="2160589"/>
+            <a:ext cx="4410718" cy="3880773"/>
+          </a:xfrm>
+        </p:spPr>
+        <p:txBody>
+          <a:bodyPr>
+            <a:normAutofit/>
+          </a:bodyPr>
+          <a:lstStyle/>
+          <a:p>
+            <a:r>
+              <a:rPr lang="de-DE"/>
+              <a:t>Ziel: Die eingekreisten Felder (die unter der </a:t>
+            </a:r>
+            <a:r>
+              <a:rPr lang="de-AT">
+                <a:effectLst/>
+                <a:latin typeface="Calibri" panose="020F0502020204030204" pitchFamily="34" charset="0"/>
+                <a:ea typeface="Calibri" panose="020F0502020204030204" pitchFamily="34" charset="0"/>
+                <a:cs typeface="Times New Roman" panose="02020603050405020304" pitchFamily="18" charset="0"/>
+              </a:rPr>
+              <a:t>Hauptdiagonalen) null ergeben (hier kümmern wir uns um die 1. Spalte) -&gt; Zeilenumformung / -verschiebung</a:t>
+            </a:r>
+          </a:p>
+          <a:p>
+            <a:r>
+              <a:rPr lang="de-AT">
+                <a:latin typeface="Calibri" panose="020F0502020204030204" pitchFamily="34" charset="0"/>
+                <a:cs typeface="Times New Roman" panose="02020603050405020304" pitchFamily="18" charset="0"/>
+              </a:rPr>
+              <a:t>Daher rechnen wir die 2. Zeile mal 2 und subtrahieren die 1.</a:t>
+            </a:r>
+          </a:p>
+          <a:p>
+            <a:r>
+              <a:rPr lang="de-AT">
+                <a:latin typeface="Calibri" panose="020F0502020204030204" pitchFamily="34" charset="0"/>
+                <a:cs typeface="Times New Roman" panose="02020603050405020304" pitchFamily="18" charset="0"/>
+              </a:rPr>
+              <a:t>Und bei der 3. Zeile addieren wir einfach die 2. rauf. Die Veränderung davor ist für diese hierbei nicht von belangen, das ist aber egal, da wir die 1. nicht anfassen.</a:t>
+            </a:r>
+          </a:p>
+        </p:txBody>
+      </p:sp>
+      <p:pic>
+        <p:nvPicPr>
+          <p:cNvPr id="11" name="Grafik 10">
+            <a:extLst>
+              <a:ext uri="{FF2B5EF4-FFF2-40B4-BE49-F238E27FC236}">
+                <a16:creationId xmlns:a16="http://schemas.microsoft.com/office/drawing/2014/main" id="{1D2D4252-BB6E-A40A-794D-512E5641E43D}"/>
+              </a:ext>
+            </a:extLst>
+          </p:cNvPr>
+          <p:cNvPicPr>
+            <a:picLocks noChangeAspect="1"/>
+          </p:cNvPicPr>
+          <p:nvPr/>
+        </p:nvPicPr>
+        <p:blipFill>
+          <a:blip r:embed="rId3"/>
+          <a:stretch>
+            <a:fillRect/>
+          </a:stretch>
+        </p:blipFill>
+        <p:spPr>
+          <a:xfrm>
+            <a:off x="677334" y="4725083"/>
+            <a:ext cx="3944549" cy="806007"/>
+          </a:xfrm>
+          <a:prstGeom prst="rect">
+            <a:avLst/>
+          </a:prstGeom>
+        </p:spPr>
+      </p:pic>
+    </p:spTree>
+    <p:extLst>
+      <p:ext uri="{BB962C8B-B14F-4D97-AF65-F5344CB8AC3E}">
+        <p14:creationId xmlns:p14="http://schemas.microsoft.com/office/powerpoint/2010/main" val="3447720801"/>
+      </p:ext>
+    </p:extLst>
+  </p:cSld>
+  <p:clrMapOvr>
+    <a:masterClrMapping/>
+  </p:clrMapOvr>
+</p:sld>
+</file>
+
+<file path=ppt/slides/slide7.xml><?xml version="1.0" encoding="utf-8"?>
+<p:sld xmlns:a="http://schemas.openxmlformats.org/drawingml/2006/main" xmlns:r="http://schemas.openxmlformats.org/officeDocument/2006/relationships" xmlns:p="http://schemas.openxmlformats.org/presentationml/2006/main">
+  <p:cSld>
+    <p:bg>
+      <p:bgPr>
+        <a:solidFill>
+          <a:schemeClr val="bg1"/>
+        </a:solidFill>
+        <a:effectLst/>
+      </p:bgPr>
+    </p:bg>
+    <p:spTree>
+      <p:nvGrpSpPr>
+        <p:cNvPr id="1" name=""/>
+        <p:cNvGrpSpPr/>
+        <p:nvPr/>
+      </p:nvGrpSpPr>
+      <p:grpSpPr>
+        <a:xfrm>
+          <a:off x="0" y="0"/>
+          <a:ext cx="0" cy="0"/>
+          <a:chOff x="0" y="0"/>
+          <a:chExt cx="0" cy="0"/>
+        </a:xfrm>
+      </p:grpSpPr>
+      <p:sp>
+        <p:nvSpPr>
+          <p:cNvPr id="2" name="Titel 1">
+            <a:extLst>
+              <a:ext uri="{FF2B5EF4-FFF2-40B4-BE49-F238E27FC236}">
+                <a16:creationId xmlns:a16="http://schemas.microsoft.com/office/drawing/2014/main" id="{A1C83EA0-6809-798C-7DC1-4220EF456EF6}"/>
+              </a:ext>
+            </a:extLst>
+          </p:cNvPr>
+          <p:cNvSpPr>
+            <a:spLocks noGrp="1"/>
+          </p:cNvSpPr>
+          <p:nvPr>
+            <p:ph type="title"/>
+          </p:nvPr>
+        </p:nvSpPr>
+        <p:spPr>
+          <a:xfrm>
+            <a:off x="677334" y="609600"/>
+            <a:ext cx="8596668" cy="1320800"/>
+          </a:xfrm>
+        </p:spPr>
+        <p:txBody>
+          <a:bodyPr>
+            <a:normAutofit/>
+          </a:bodyPr>
+          <a:lstStyle/>
+          <a:p>
+            <a:r>
+              <a:rPr lang="en-US" dirty="0" err="1"/>
+              <a:t>Gaußsches</a:t>
+            </a:r>
+            <a:r>
+              <a:rPr lang="en-US" dirty="0"/>
+              <a:t> </a:t>
+            </a:r>
+            <a:r>
+              <a:rPr lang="en-US" dirty="0" err="1"/>
+              <a:t>Eliminationsverfahren</a:t>
+            </a:r>
+            <a:r>
+              <a:rPr lang="en-US" dirty="0"/>
+              <a:t> Schritt für Schritt III</a:t>
+            </a:r>
+            <a:endParaRPr lang="de-AT" dirty="0"/>
+          </a:p>
+        </p:txBody>
+      </p:sp>
+      <p:pic>
+        <p:nvPicPr>
+          <p:cNvPr id="5" name="Grafik 4">
+            <a:extLst>
+              <a:ext uri="{FF2B5EF4-FFF2-40B4-BE49-F238E27FC236}">
+                <a16:creationId xmlns:a16="http://schemas.microsoft.com/office/drawing/2014/main" id="{0064EF78-8079-D1B3-9D94-50E2DC87D734}"/>
+              </a:ext>
+            </a:extLst>
+          </p:cNvPr>
+          <p:cNvPicPr>
+            <a:picLocks noChangeAspect="1"/>
+          </p:cNvPicPr>
+          <p:nvPr/>
+        </p:nvPicPr>
+        <p:blipFill>
+          <a:blip r:embed="rId2"/>
+          <a:stretch>
+            <a:fillRect/>
+          </a:stretch>
+        </p:blipFill>
+        <p:spPr>
+          <a:xfrm>
+            <a:off x="1064808" y="2159663"/>
+            <a:ext cx="3169599" cy="1826549"/>
+          </a:xfrm>
+          <a:prstGeom prst="rect">
+            <a:avLst/>
+          </a:prstGeom>
+        </p:spPr>
+      </p:pic>
+      <p:sp>
+        <p:nvSpPr>
+          <p:cNvPr id="3" name="Inhaltsplatzhalter 2">
+            <a:extLst>
+              <a:ext uri="{FF2B5EF4-FFF2-40B4-BE49-F238E27FC236}">
+                <a16:creationId xmlns:a16="http://schemas.microsoft.com/office/drawing/2014/main" id="{B1A109CC-624A-36F2-C42A-849324DD8B69}"/>
+              </a:ext>
+            </a:extLst>
+          </p:cNvPr>
+          <p:cNvSpPr>
+            <a:spLocks noGrp="1"/>
+          </p:cNvSpPr>
+          <p:nvPr>
+            <p:ph idx="1"/>
+          </p:nvPr>
+        </p:nvSpPr>
+        <p:spPr>
+          <a:xfrm>
+            <a:off x="4863283" y="2160589"/>
+            <a:ext cx="4410718" cy="3880773"/>
+          </a:xfrm>
+        </p:spPr>
+        <p:txBody>
+          <a:bodyPr>
+            <a:normAutofit lnSpcReduction="10000"/>
+          </a:bodyPr>
+          <a:lstStyle/>
+          <a:p>
+            <a:r>
+              <a:rPr lang="de-DE" dirty="0"/>
+              <a:t>daher haben wir jetzt folgende Matrix -&gt; wir formen das ganze nochmal in ein lineares Gleichungssystem um, dies funktioniert genau wie beim in die Matrix umformen -&gt; erläutere ich es jetzt nicht genauer</a:t>
+            </a:r>
+          </a:p>
+          <a:p>
+            <a:endParaRPr lang="de-DE" dirty="0"/>
+          </a:p>
+          <a:p>
+            <a:r>
+              <a:rPr lang="de-DE" dirty="0"/>
+              <a:t>jetzt versuchen wir uns, weil wir schon alle gebrauchte 0 haben, uns (eine) Variable(n) auszurechnen -&gt; wir können Z ganz einfach ausrechnen</a:t>
+            </a:r>
+          </a:p>
+        </p:txBody>
+      </p:sp>
+      <p:pic>
+        <p:nvPicPr>
+          <p:cNvPr id="7" name="Grafik 6">
+            <a:extLst>
+              <a:ext uri="{FF2B5EF4-FFF2-40B4-BE49-F238E27FC236}">
+                <a16:creationId xmlns:a16="http://schemas.microsoft.com/office/drawing/2014/main" id="{AD924CA9-E5AF-ED86-BC52-D240D4658715}"/>
+              </a:ext>
+            </a:extLst>
+          </p:cNvPr>
+          <p:cNvPicPr>
+            <a:picLocks noChangeAspect="1"/>
+          </p:cNvPicPr>
+          <p:nvPr/>
+        </p:nvPicPr>
+        <p:blipFill>
+          <a:blip r:embed="rId3"/>
+          <a:stretch>
+            <a:fillRect/>
+          </a:stretch>
+        </p:blipFill>
+        <p:spPr>
+          <a:xfrm>
+            <a:off x="677334" y="4249213"/>
+            <a:ext cx="3944549" cy="1757746"/>
+          </a:xfrm>
+          <a:prstGeom prst="rect">
+            <a:avLst/>
+          </a:prstGeom>
+        </p:spPr>
+      </p:pic>
+    </p:spTree>
+    <p:extLst>
+      <p:ext uri="{BB962C8B-B14F-4D97-AF65-F5344CB8AC3E}">
+        <p14:creationId xmlns:p14="http://schemas.microsoft.com/office/powerpoint/2010/main" val="980431481"/>
+      </p:ext>
+    </p:extLst>
+  </p:cSld>
+  <p:clrMapOvr>
+    <a:masterClrMapping/>
+  </p:clrMapOvr>
+</p:sld>
+</file>
+
+<file path=ppt/slides/slide8.xml><?xml version="1.0" encoding="utf-8"?>
+<p:sld xmlns:a="http://schemas.openxmlformats.org/drawingml/2006/main" xmlns:r="http://schemas.openxmlformats.org/officeDocument/2006/relationships" xmlns:p="http://schemas.openxmlformats.org/presentationml/2006/main">
+  <p:cSld>
+    <p:spTree>
+      <p:nvGrpSpPr>
+        <p:cNvPr id="1" name=""/>
+        <p:cNvGrpSpPr/>
+        <p:nvPr/>
+      </p:nvGrpSpPr>
+      <p:grpSpPr>
+        <a:xfrm>
+          <a:off x="0" y="0"/>
+          <a:ext cx="0" cy="0"/>
+          <a:chOff x="0" y="0"/>
+          <a:chExt cx="0" cy="0"/>
+        </a:xfrm>
+      </p:grpSpPr>
+      <p:sp>
+        <p:nvSpPr>
+          <p:cNvPr id="2" name="Titel 1">
+            <a:extLst>
+              <a:ext uri="{FF2B5EF4-FFF2-40B4-BE49-F238E27FC236}">
+                <a16:creationId xmlns:a16="http://schemas.microsoft.com/office/drawing/2014/main" id="{CE08725B-A3D4-EA91-BD12-1F980EF435F8}"/>
+              </a:ext>
+            </a:extLst>
+          </p:cNvPr>
+          <p:cNvSpPr>
+            <a:spLocks noGrp="1"/>
+          </p:cNvSpPr>
+          <p:nvPr>
+            <p:ph type="title"/>
+          </p:nvPr>
+        </p:nvSpPr>
+        <p:spPr/>
+        <p:txBody>
+          <a:bodyPr/>
+          <a:lstStyle/>
+          <a:p>
+            <a:r>
+              <a:rPr lang="en-US" dirty="0" err="1"/>
+              <a:t>Gaußsches</a:t>
+            </a:r>
+            <a:r>
+              <a:rPr lang="en-US" dirty="0"/>
+              <a:t> </a:t>
+            </a:r>
+            <a:r>
+              <a:rPr lang="en-US" dirty="0" err="1"/>
+              <a:t>Eliminationsverfahren</a:t>
+            </a:r>
+            <a:r>
+              <a:rPr lang="en-US" dirty="0"/>
+              <a:t> Schritt für Schritt IV</a:t>
+            </a:r>
+            <a:endParaRPr lang="de-AT" dirty="0"/>
+          </a:p>
+        </p:txBody>
+      </p:sp>
+      <p:sp>
+        <p:nvSpPr>
+          <p:cNvPr id="3" name="Inhaltsplatzhalter 2">
+            <a:extLst>
+              <a:ext uri="{FF2B5EF4-FFF2-40B4-BE49-F238E27FC236}">
+                <a16:creationId xmlns:a16="http://schemas.microsoft.com/office/drawing/2014/main" id="{6F7FF694-EF2A-AB86-1633-865185C23FF6}"/>
+              </a:ext>
+            </a:extLst>
+          </p:cNvPr>
+          <p:cNvSpPr>
+            <a:spLocks noGrp="1"/>
+          </p:cNvSpPr>
+          <p:nvPr>
+            <p:ph idx="1"/>
+          </p:nvPr>
+        </p:nvSpPr>
+        <p:spPr/>
+        <p:txBody>
+          <a:bodyPr/>
+          <a:lstStyle/>
+          <a:p>
+            <a:r>
+              <a:rPr lang="de-DE" dirty="0"/>
+              <a:t>da wir jetzt z haben -&gt; und in der 2. Gleichung y und z da sind, können wir für z einsetzen und uns y errechnen. -&gt; y = 4. Mit dieser Erkenntnis können wir jetzt noch x ausrechnen und erhalten sind danach fertig. </a:t>
+            </a:r>
+          </a:p>
+          <a:p>
+            <a:endParaRPr lang="de-DE" dirty="0"/>
+          </a:p>
+          <a:p>
+            <a:endParaRPr lang="de-DE" dirty="0"/>
+          </a:p>
+          <a:p>
+            <a:endParaRPr lang="de-DE" dirty="0"/>
+          </a:p>
+          <a:p>
+            <a:endParaRPr lang="de-DE" dirty="0"/>
+          </a:p>
+          <a:p>
+            <a:endParaRPr lang="de-DE" dirty="0"/>
+          </a:p>
+          <a:p>
+            <a:r>
+              <a:rPr lang="de-DE" dirty="0"/>
+              <a:t>-&gt; 2x +4y – 1z = 1 -&gt; 2x +15 = 1 -&gt; x = -7</a:t>
+            </a:r>
+            <a:endParaRPr lang="de-AT" dirty="0"/>
+          </a:p>
+        </p:txBody>
+      </p:sp>
+      <p:pic>
+        <p:nvPicPr>
+          <p:cNvPr id="5" name="Grafik 4">
+            <a:extLst>
+              <a:ext uri="{FF2B5EF4-FFF2-40B4-BE49-F238E27FC236}">
+                <a16:creationId xmlns:a16="http://schemas.microsoft.com/office/drawing/2014/main" id="{8721B7EB-021B-B836-A1C6-35445A862807}"/>
+              </a:ext>
+            </a:extLst>
+          </p:cNvPr>
+          <p:cNvPicPr>
+            <a:picLocks noChangeAspect="1"/>
+          </p:cNvPicPr>
+          <p:nvPr/>
+        </p:nvPicPr>
+        <p:blipFill>
+          <a:blip r:embed="rId2"/>
+          <a:stretch>
+            <a:fillRect/>
+          </a:stretch>
+        </p:blipFill>
+        <p:spPr>
+          <a:xfrm>
+            <a:off x="770330" y="3146122"/>
+            <a:ext cx="3830384" cy="1547175"/>
+          </a:xfrm>
+          <a:prstGeom prst="rect">
+            <a:avLst/>
+          </a:prstGeom>
+        </p:spPr>
+      </p:pic>
+    </p:spTree>
+    <p:extLst>
+      <p:ext uri="{BB962C8B-B14F-4D97-AF65-F5344CB8AC3E}">
+        <p14:creationId xmlns:p14="http://schemas.microsoft.com/office/powerpoint/2010/main" val="1637145438"/>
+      </p:ext>
+    </p:extLst>
+  </p:cSld>
+  <p:clrMapOvr>
+    <a:masterClrMapping/>
+  </p:clrMapOvr>
+</p:sld>
+</file>
+
+<file path=ppt/slides/slide9.xml><?xml version="1.0" encoding="utf-8"?>
+<p:sld xmlns:a="http://schemas.openxmlformats.org/drawingml/2006/main" xmlns:r="http://schemas.openxmlformats.org/officeDocument/2006/relationships" xmlns:p="http://schemas.openxmlformats.org/presentationml/2006/main">
+  <p:cSld>
+    <p:bg>
+      <p:bgPr>
+        <a:solidFill>
+          <a:schemeClr val="bg1"/>
+        </a:solidFill>
+        <a:effectLst/>
+      </p:bgPr>
+    </p:bg>
+    <p:spTree>
+      <p:nvGrpSpPr>
+        <p:cNvPr id="1" name=""/>
+        <p:cNvGrpSpPr/>
+        <p:nvPr/>
+      </p:nvGrpSpPr>
+      <p:grpSpPr>
+        <a:xfrm>
+          <a:off x="0" y="0"/>
+          <a:ext cx="0" cy="0"/>
+          <a:chOff x="0" y="0"/>
+          <a:chExt cx="0" cy="0"/>
+        </a:xfrm>
+      </p:grpSpPr>
+      <p:grpSp>
+        <p:nvGrpSpPr>
+          <p:cNvPr id="10" name="Group 9">
+            <a:extLst>
+              <a:ext uri="{FF2B5EF4-FFF2-40B4-BE49-F238E27FC236}">
+                <a16:creationId xmlns:a16="http://schemas.microsoft.com/office/drawing/2014/main" id="{B4DE830A-B531-4A3B-96F6-0ECE88B08555}"/>
+              </a:ext>
+              <a:ext uri="{C183D7F6-B498-43B3-948B-1728B52AA6E4}">
+                <adec:decorative xmlns:adec="http://schemas.microsoft.com/office/drawing/2017/decorative" val="1"/>
+              </a:ext>
+            </a:extLst>
+          </p:cNvPr>
+          <p:cNvGrpSpPr>
+            <a:grpSpLocks noGrp="1" noUngrp="1" noRot="1" noChangeAspect="1" noMove="1" noResize="1"/>
+          </p:cNvGrpSpPr>
+          <p:nvPr>
+            <p:extLst>
+              <p:ext uri="{386F3935-93C4-4BCD-93E2-E3B085C9AB24}">
+                <p16:designElem xmlns:p16="http://schemas.microsoft.com/office/powerpoint/2015/main" val="1"/>
+              </p:ext>
+            </p:extLst>
+          </p:nvPr>
+        </p:nvGrpSpPr>
+        <p:grpSpPr>
+          <a:xfrm>
+            <a:off x="0" y="-8467"/>
+            <a:ext cx="12192000" cy="6866467"/>
+            <a:chOff x="0" y="-8467"/>
+            <a:chExt cx="12192000" cy="6866467"/>
+          </a:xfrm>
+        </p:grpSpPr>
+        <p:cxnSp>
+          <p:nvCxnSpPr>
+            <p:cNvPr id="11" name="Straight Connector 10">
+              <a:extLst>
+                <a:ext uri="{FF2B5EF4-FFF2-40B4-BE49-F238E27FC236}">
+                  <a16:creationId xmlns:a16="http://schemas.microsoft.com/office/drawing/2014/main" id="{2813DF2C-461A-4A8F-9679-A172790D1F3A}"/>
+                </a:ext>
+                <a:ext uri="{C183D7F6-B498-43B3-948B-1728B52AA6E4}">
+                  <adec:decorative xmlns:adec="http://schemas.microsoft.com/office/drawing/2017/decorative" val="1"/>
+                </a:ext>
+              </a:extLst>
+            </p:cNvPr>
+            <p:cNvCxnSpPr/>
+            <p:nvPr>
+              <p:extLst>
+                <p:ext uri="{386F3935-93C4-4BCD-93E2-E3B085C9AB24}">
+                  <p16:designElem xmlns:p16="http://schemas.microsoft.com/office/powerpoint/2015/main" val="1"/>
+                </p:ext>
+              </p:extLst>
+            </p:nvPr>
+          </p:nvCxnSpPr>
+          <p:spPr>
+            <a:xfrm>
+              <a:off x="9371012" y="0"/>
+              <a:ext cx="1219200" cy="6858000"/>
+            </a:xfrm>
+            <a:prstGeom prst="line">
+              <a:avLst/>
+            </a:prstGeom>
+            <a:ln w="9525">
+              <a:solidFill>
+                <a:schemeClr val="bg1">
+                  <a:lumMod val="75000"/>
+                </a:schemeClr>
+              </a:solidFill>
+            </a:ln>
+          </p:spPr>
+          <p:style>
+            <a:lnRef idx="2">
+              <a:schemeClr val="accent1"/>
+            </a:lnRef>
+            <a:fillRef idx="0">
+              <a:schemeClr val="accent1"/>
+            </a:fillRef>
+            <a:effectRef idx="1">
+              <a:schemeClr val="accent1"/>
+            </a:effectRef>
+            <a:fontRef idx="minor">
+              <a:schemeClr val="tx1"/>
+            </a:fontRef>
+          </p:style>
+        </p:cxnSp>
+        <p:cxnSp>
+          <p:nvCxnSpPr>
+            <p:cNvPr id="12" name="Straight Connector 11">
+              <a:extLst>
+                <a:ext uri="{FF2B5EF4-FFF2-40B4-BE49-F238E27FC236}">
+                  <a16:creationId xmlns:a16="http://schemas.microsoft.com/office/drawing/2014/main" id="{54CD3A85-C039-4249-86E4-1EB9318B5495}"/>
+                </a:ext>
+                <a:ext uri="{C183D7F6-B498-43B3-948B-1728B52AA6E4}">
+                  <adec:decorative xmlns:adec="http://schemas.microsoft.com/office/drawing/2017/decorative" val="1"/>
+                </a:ext>
+              </a:extLst>
+            </p:cNvPr>
+            <p:cNvCxnSpPr/>
+            <p:nvPr>
+              <p:extLst>
+                <p:ext uri="{386F3935-93C4-4BCD-93E2-E3B085C9AB24}">
+                  <p16:designElem xmlns:p16="http://schemas.microsoft.com/office/powerpoint/2015/main" val="1"/>
+                </p:ext>
+              </p:extLst>
+            </p:nvPr>
+          </p:nvCxnSpPr>
+          <p:spPr>
+            <a:xfrm flipH="1">
+              <a:off x="7425267" y="3681413"/>
+              <a:ext cx="4763558" cy="3176587"/>
+            </a:xfrm>
+            <a:prstGeom prst="line">
+              <a:avLst/>
+            </a:prstGeom>
+            <a:ln w="9525">
+              <a:solidFill>
+                <a:schemeClr val="bg1">
+                  <a:lumMod val="85000"/>
+                </a:schemeClr>
+              </a:solidFill>
+            </a:ln>
+          </p:spPr>
+          <p:style>
+            <a:lnRef idx="2">
+              <a:schemeClr val="accent1"/>
+            </a:lnRef>
+            <a:fillRef idx="0">
+              <a:schemeClr val="accent1"/>
+            </a:fillRef>
+            <a:effectRef idx="1">
+              <a:schemeClr val="accent1"/>
+            </a:effectRef>
+            <a:fontRef idx="minor">
+              <a:schemeClr val="tx1"/>
+            </a:fontRef>
+          </p:style>
+        </p:cxnSp>
+        <p:sp>
+          <p:nvSpPr>
+            <p:cNvPr id="13" name="Rectangle 23">
+              <a:extLst>
+                <a:ext uri="{FF2B5EF4-FFF2-40B4-BE49-F238E27FC236}">
+                  <a16:creationId xmlns:a16="http://schemas.microsoft.com/office/drawing/2014/main" id="{887EA6D2-2883-42C2-993D-094CA6D65DA3}"/>
+                </a:ext>
+                <a:ext uri="{C183D7F6-B498-43B3-948B-1728B52AA6E4}">
+                  <adec:decorative xmlns:adec="http://schemas.microsoft.com/office/drawing/2017/decorative" val="1"/>
+                </a:ext>
+              </a:extLst>
+            </p:cNvPr>
+            <p:cNvSpPr/>
+            <p:nvPr>
+              <p:extLst>
+                <p:ext uri="{386F3935-93C4-4BCD-93E2-E3B085C9AB24}">
+                  <p16:designElem xmlns:p16="http://schemas.microsoft.com/office/powerpoint/2015/main" val="1"/>
+                </p:ext>
+              </p:extLst>
+            </p:nvPr>
+          </p:nvSpPr>
+          <p:spPr>
+            <a:xfrm>
+              <a:off x="9181476" y="-8467"/>
+              <a:ext cx="3007349" cy="6866467"/>
+            </a:xfrm>
+            <a:custGeom>
+              <a:avLst/>
+              <a:gdLst/>
+              <a:ahLst/>
+              <a:cxnLst/>
+              <a:rect l="l" t="t" r="r" b="b"/>
+              <a:pathLst>
+                <a:path w="3007349" h="6866467">
+                  <a:moveTo>
+                    <a:pt x="2045532" y="0"/>
+                  </a:moveTo>
+                  <a:lnTo>
+                    <a:pt x="3007349" y="0"/>
+                  </a:lnTo>
+                  <a:lnTo>
+                    <a:pt x="3007349" y="6866467"/>
+                  </a:lnTo>
+                  <a:lnTo>
+                    <a:pt x="0" y="6866467"/>
+                  </a:lnTo>
+                  <a:lnTo>
+                    <a:pt x="2045532" y="0"/>
+                  </a:lnTo>
+                  <a:close/>
+                </a:path>
+              </a:pathLst>
+            </a:custGeom>
+            <a:solidFill>
+              <a:schemeClr val="accent1">
+                <a:alpha val="30000"/>
+              </a:schemeClr>
+            </a:solidFill>
+            <a:ln>
+              <a:noFill/>
+            </a:ln>
+            <a:effectLst/>
+          </p:spPr>
+          <p:style>
+            <a:lnRef idx="1">
+              <a:schemeClr val="accent1"/>
+            </a:lnRef>
+            <a:fillRef idx="3">
+              <a:schemeClr val="accent1"/>
+            </a:fillRef>
+            <a:effectRef idx="2">
+              <a:schemeClr val="accent1"/>
+            </a:effectRef>
+            <a:fontRef idx="minor">
+              <a:schemeClr val="lt1"/>
+            </a:fontRef>
+          </p:style>
+        </p:sp>
+        <p:sp>
+          <p:nvSpPr>
+            <p:cNvPr id="14" name="Rectangle 25">
+              <a:extLst>
+                <a:ext uri="{FF2B5EF4-FFF2-40B4-BE49-F238E27FC236}">
+                  <a16:creationId xmlns:a16="http://schemas.microsoft.com/office/drawing/2014/main" id="{3B895046-636F-4D1B-ACA4-29AA0CB3329F}"/>
+                </a:ext>
+                <a:ext uri="{C183D7F6-B498-43B3-948B-1728B52AA6E4}">
+                  <adec:decorative xmlns:adec="http://schemas.microsoft.com/office/drawing/2017/decorative" val="1"/>
+                </a:ext>
+              </a:extLst>
+            </p:cNvPr>
+            <p:cNvSpPr/>
+            <p:nvPr>
+              <p:extLst>
+                <p:ext uri="{386F3935-93C4-4BCD-93E2-E3B085C9AB24}">
+                  <p16:designElem xmlns:p16="http://schemas.microsoft.com/office/powerpoint/2015/main" val="1"/>
+                </p:ext>
+              </p:extLst>
+            </p:nvPr>
+          </p:nvSpPr>
+          <p:spPr>
+            <a:xfrm>
+              <a:off x="9603442" y="-8467"/>
+              <a:ext cx="2588558" cy="6866467"/>
+            </a:xfrm>
+            <a:custGeom>
+              <a:avLst/>
+              <a:gdLst/>
+              <a:ahLst/>
+              <a:cxnLst/>
+              <a:rect l="l" t="t" r="r" b="b"/>
+              <a:pathLst>
+                <a:path w="2573311" h="6866467">
+                  <a:moveTo>
+                    <a:pt x="0" y="0"/>
+                  </a:moveTo>
+                  <a:lnTo>
+                    <a:pt x="2573311" y="0"/>
+                  </a:lnTo>
+                  <a:lnTo>
+                    <a:pt x="2573311" y="6866467"/>
+                  </a:lnTo>
+                  <a:lnTo>
+                    <a:pt x="1202336" y="6866467"/>
+                  </a:lnTo>
+                  <a:lnTo>
+                    <a:pt x="0" y="0"/>
+                  </a:lnTo>
+                  <a:close/>
+                </a:path>
+              </a:pathLst>
+            </a:custGeom>
+            <a:solidFill>
+              <a:schemeClr val="accent1">
+                <a:alpha val="20000"/>
+              </a:schemeClr>
+            </a:solidFill>
+            <a:ln>
+              <a:noFill/>
+            </a:ln>
+            <a:effectLst/>
+          </p:spPr>
+          <p:style>
+            <a:lnRef idx="1">
+              <a:schemeClr val="accent1"/>
+            </a:lnRef>
+            <a:fillRef idx="3">
+              <a:schemeClr val="accent1"/>
+            </a:fillRef>
+            <a:effectRef idx="2">
+              <a:schemeClr val="accent1"/>
+            </a:effectRef>
+            <a:fontRef idx="minor">
+              <a:schemeClr val="lt1"/>
+            </a:fontRef>
+          </p:style>
+        </p:sp>
+        <p:sp>
+          <p:nvSpPr>
+            <p:cNvPr id="15" name="Isosceles Triangle 14">
+              <a:extLst>
+                <a:ext uri="{FF2B5EF4-FFF2-40B4-BE49-F238E27FC236}">
+                  <a16:creationId xmlns:a16="http://schemas.microsoft.com/office/drawing/2014/main" id="{C6B0CDE3-E054-4EDD-A43B-F96843D8BF51}"/>
+                </a:ext>
+                <a:ext uri="{C183D7F6-B498-43B3-948B-1728B52AA6E4}">
+                  <adec:decorative xmlns:adec="http://schemas.microsoft.com/office/drawing/2017/decorative" val="1"/>
+                </a:ext>
+              </a:extLst>
+            </p:cNvPr>
+            <p:cNvSpPr/>
+            <p:nvPr>
+              <p:extLst>
+                <p:ext uri="{386F3935-93C4-4BCD-93E2-E3B085C9AB24}">
+                  <p16:designElem xmlns:p16="http://schemas.microsoft.com/office/powerpoint/2015/main" val="1"/>
+                </p:ext>
+              </p:extLst>
+            </p:nvPr>
+          </p:nvSpPr>
+          <p:spPr>
+            <a:xfrm>
+              <a:off x="8932333" y="3048000"/>
+              <a:ext cx="3259667" cy="3810000"/>
+            </a:xfrm>
+            <a:prstGeom prst="triangle">
+              <a:avLst>
+                <a:gd name="adj" fmla="val 100000"/>
+              </a:avLst>
+            </a:prstGeom>
+            <a:solidFill>
+              <a:schemeClr val="accent2">
+                <a:alpha val="72000"/>
+              </a:schemeClr>
+            </a:solidFill>
+            <a:ln>
+              <a:noFill/>
+            </a:ln>
+            <a:effectLst/>
+          </p:spPr>
+          <p:style>
+            <a:lnRef idx="1">
+              <a:schemeClr val="accent1"/>
+            </a:lnRef>
+            <a:fillRef idx="3">
+              <a:schemeClr val="accent1"/>
+            </a:fillRef>
+            <a:effectRef idx="2">
+              <a:schemeClr val="accent1"/>
+            </a:effectRef>
+            <a:fontRef idx="minor">
+              <a:schemeClr val="lt1"/>
+            </a:fontRef>
+          </p:style>
+        </p:sp>
+        <p:sp>
+          <p:nvSpPr>
+            <p:cNvPr id="16" name="Rectangle 27">
+              <a:extLst>
+                <a:ext uri="{FF2B5EF4-FFF2-40B4-BE49-F238E27FC236}">
+                  <a16:creationId xmlns:a16="http://schemas.microsoft.com/office/drawing/2014/main" id="{3B66B1A2-F145-4C9B-85CC-4BF30D58CBC5}"/>
+                </a:ext>
+                <a:ext uri="{C183D7F6-B498-43B3-948B-1728B52AA6E4}">
+                  <adec:decorative xmlns:adec="http://schemas.microsoft.com/office/drawing/2017/decorative" val="1"/>
+                </a:ext>
+              </a:extLst>
+            </p:cNvPr>
+            <p:cNvSpPr/>
+            <p:nvPr>
+              <p:extLst>
+                <p:ext uri="{386F3935-93C4-4BCD-93E2-E3B085C9AB24}">
+                  <p16:designElem xmlns:p16="http://schemas.microsoft.com/office/powerpoint/2015/main" val="1"/>
+                </p:ext>
+              </p:extLst>
+            </p:nvPr>
+          </p:nvSpPr>
+          <p:spPr>
+            <a:xfrm>
+              <a:off x="9334500" y="-8467"/>
+              <a:ext cx="2854326" cy="6866467"/>
+            </a:xfrm>
+            <a:custGeom>
+              <a:avLst/>
+              <a:gdLst/>
+              <a:ahLst/>
+              <a:cxnLst/>
+              <a:rect l="l" t="t" r="r" b="b"/>
+              <a:pathLst>
+                <a:path w="2858013" h="6866467">
+                  <a:moveTo>
+                    <a:pt x="0" y="0"/>
+                  </a:moveTo>
+                  <a:lnTo>
+                    <a:pt x="2858013" y="0"/>
+                  </a:lnTo>
+                  <a:lnTo>
+                    <a:pt x="2858013" y="6866467"/>
+                  </a:lnTo>
+                  <a:lnTo>
+                    <a:pt x="2473942" y="6866467"/>
+                  </a:lnTo>
+                  <a:lnTo>
+                    <a:pt x="0" y="0"/>
+                  </a:lnTo>
+                  <a:close/>
+                </a:path>
+              </a:pathLst>
+            </a:custGeom>
+            <a:solidFill>
+              <a:schemeClr val="accent2">
+                <a:lumMod val="75000"/>
+                <a:alpha val="70000"/>
+              </a:schemeClr>
+            </a:solidFill>
+            <a:ln>
+              <a:noFill/>
+            </a:ln>
+            <a:effectLst/>
+          </p:spPr>
+          <p:style>
+            <a:lnRef idx="1">
+              <a:schemeClr val="accent1"/>
+            </a:lnRef>
+            <a:fillRef idx="3">
+              <a:schemeClr val="accent1"/>
+            </a:fillRef>
+            <a:effectRef idx="2">
+              <a:schemeClr val="accent1"/>
+            </a:effectRef>
+            <a:fontRef idx="minor">
+              <a:schemeClr val="lt1"/>
+            </a:fontRef>
+          </p:style>
+        </p:sp>
+        <p:sp>
+          <p:nvSpPr>
+            <p:cNvPr id="17" name="Rectangle 28">
+              <a:extLst>
+                <a:ext uri="{FF2B5EF4-FFF2-40B4-BE49-F238E27FC236}">
+                  <a16:creationId xmlns:a16="http://schemas.microsoft.com/office/drawing/2014/main" id="{5D4FC972-94B3-4035-8D31-E668C132B411}"/>
+                </a:ext>
+                <a:ext uri="{C183D7F6-B498-43B3-948B-1728B52AA6E4}">
+                  <adec:decorative xmlns:adec="http://schemas.microsoft.com/office/drawing/2017/decorative" val="1"/>
+                </a:ext>
+              </a:extLst>
+            </p:cNvPr>
+            <p:cNvSpPr/>
+            <p:nvPr>
+              <p:extLst>
+                <p:ext uri="{386F3935-93C4-4BCD-93E2-E3B085C9AB24}">
+                  <p16:designElem xmlns:p16="http://schemas.microsoft.com/office/powerpoint/2015/main" val="1"/>
+                </p:ext>
+              </p:extLst>
+            </p:nvPr>
+          </p:nvSpPr>
+          <p:spPr>
+            <a:xfrm>
+              <a:off x="10898730" y="-8467"/>
+              <a:ext cx="1290094" cy="6866467"/>
+            </a:xfrm>
+            <a:custGeom>
+              <a:avLst/>
+              <a:gdLst/>
+              <a:ahLst/>
+              <a:cxnLst/>
+              <a:rect l="l" t="t" r="r" b="b"/>
+              <a:pathLst>
+                <a:path w="1290094" h="6858000">
+                  <a:moveTo>
+                    <a:pt x="1019735" y="0"/>
+                  </a:moveTo>
+                  <a:lnTo>
+                    <a:pt x="1290094" y="0"/>
+                  </a:lnTo>
+                  <a:lnTo>
+                    <a:pt x="1290094" y="6858000"/>
+                  </a:lnTo>
+                  <a:lnTo>
+                    <a:pt x="0" y="6858000"/>
+                  </a:lnTo>
+                  <a:lnTo>
+                    <a:pt x="1019735" y="0"/>
+                  </a:lnTo>
+                  <a:close/>
+                </a:path>
+              </a:pathLst>
+            </a:custGeom>
+            <a:solidFill>
+              <a:schemeClr val="accent1">
+                <a:lumMod val="60000"/>
+                <a:lumOff val="40000"/>
+                <a:alpha val="70000"/>
+              </a:schemeClr>
+            </a:solidFill>
+            <a:ln>
+              <a:noFill/>
+            </a:ln>
+            <a:effectLst/>
+          </p:spPr>
+          <p:style>
+            <a:lnRef idx="1">
+              <a:schemeClr val="accent1"/>
+            </a:lnRef>
+            <a:fillRef idx="3">
+              <a:schemeClr val="accent1"/>
+            </a:fillRef>
+            <a:effectRef idx="2">
+              <a:schemeClr val="accent1"/>
+            </a:effectRef>
+            <a:fontRef idx="minor">
+              <a:schemeClr val="lt1"/>
+            </a:fontRef>
+          </p:style>
+        </p:sp>
+        <p:sp>
+          <p:nvSpPr>
+            <p:cNvPr id="18" name="Rectangle 29">
+              <a:extLst>
+                <a:ext uri="{FF2B5EF4-FFF2-40B4-BE49-F238E27FC236}">
+                  <a16:creationId xmlns:a16="http://schemas.microsoft.com/office/drawing/2014/main" id="{374B9941-AFBE-4A77-A50E-B6EA04A746AE}"/>
+                </a:ext>
+                <a:ext uri="{C183D7F6-B498-43B3-948B-1728B52AA6E4}">
+                  <adec:decorative xmlns:adec="http://schemas.microsoft.com/office/drawing/2017/decorative" val="1"/>
+                </a:ext>
+              </a:extLst>
+            </p:cNvPr>
+            <p:cNvSpPr/>
+            <p:nvPr>
+              <p:extLst>
+                <p:ext uri="{386F3935-93C4-4BCD-93E2-E3B085C9AB24}">
+                  <p16:designElem xmlns:p16="http://schemas.microsoft.com/office/powerpoint/2015/main" val="1"/>
+                </p:ext>
+              </p:extLst>
+            </p:nvPr>
+          </p:nvSpPr>
+          <p:spPr>
+            <a:xfrm>
+              <a:off x="10938999" y="-8467"/>
+              <a:ext cx="1249825" cy="6866467"/>
+            </a:xfrm>
+            <a:custGeom>
+              <a:avLst/>
+              <a:gdLst/>
+              <a:ahLst/>
+              <a:cxnLst/>
+              <a:rect l="l" t="t" r="r" b="b"/>
+              <a:pathLst>
+                <a:path w="1249825" h="6858000">
+                  <a:moveTo>
+                    <a:pt x="0" y="0"/>
+                  </a:moveTo>
+                  <a:lnTo>
+                    <a:pt x="1249825" y="0"/>
+                  </a:lnTo>
+                  <a:lnTo>
+                    <a:pt x="1249825" y="6858000"/>
+                  </a:lnTo>
+                  <a:lnTo>
+                    <a:pt x="1109382" y="6858000"/>
+                  </a:lnTo>
+                  <a:lnTo>
+                    <a:pt x="0" y="0"/>
+                  </a:lnTo>
+                  <a:close/>
+                </a:path>
+              </a:pathLst>
+            </a:custGeom>
+            <a:solidFill>
+              <a:schemeClr val="accent1">
+                <a:alpha val="65000"/>
+              </a:schemeClr>
+            </a:solidFill>
+            <a:ln>
+              <a:noFill/>
+            </a:ln>
+            <a:effectLst/>
+          </p:spPr>
+          <p:style>
+            <a:lnRef idx="1">
+              <a:schemeClr val="accent1"/>
+            </a:lnRef>
+            <a:fillRef idx="3">
+              <a:schemeClr val="accent1"/>
+            </a:fillRef>
+            <a:effectRef idx="2">
+              <a:schemeClr val="accent1"/>
+            </a:effectRef>
+            <a:fontRef idx="minor">
+              <a:schemeClr val="lt1"/>
+            </a:fontRef>
+          </p:style>
+        </p:sp>
+        <p:sp>
+          <p:nvSpPr>
+            <p:cNvPr id="19" name="Isosceles Triangle 18">
+              <a:extLst>
+                <a:ext uri="{FF2B5EF4-FFF2-40B4-BE49-F238E27FC236}">
+                  <a16:creationId xmlns:a16="http://schemas.microsoft.com/office/drawing/2014/main" id="{27A982C5-2C38-4CE9-BC18-94697AD657FB}"/>
+                </a:ext>
+                <a:ext uri="{C183D7F6-B498-43B3-948B-1728B52AA6E4}">
+                  <adec:decorative xmlns:adec="http://schemas.microsoft.com/office/drawing/2017/decorative" val="1"/>
+                </a:ext>
+              </a:extLst>
+            </p:cNvPr>
+            <p:cNvSpPr/>
+            <p:nvPr>
+              <p:extLst>
+                <p:ext uri="{386F3935-93C4-4BCD-93E2-E3B085C9AB24}">
+                  <p16:designElem xmlns:p16="http://schemas.microsoft.com/office/powerpoint/2015/main" val="1"/>
+                </p:ext>
+              </p:extLst>
+            </p:nvPr>
+          </p:nvSpPr>
+          <p:spPr>
+            <a:xfrm>
+              <a:off x="10371666" y="3589867"/>
+              <a:ext cx="1817159" cy="3268133"/>
+            </a:xfrm>
+            <a:prstGeom prst="triangle">
+              <a:avLst>
+                <a:gd name="adj" fmla="val 100000"/>
+              </a:avLst>
+            </a:prstGeom>
+            <a:solidFill>
+              <a:schemeClr val="accent1">
+                <a:alpha val="80000"/>
+              </a:schemeClr>
+            </a:solidFill>
+            <a:ln>
+              <a:noFill/>
+            </a:ln>
+            <a:effectLst/>
+          </p:spPr>
+          <p:style>
+            <a:lnRef idx="1">
+              <a:schemeClr val="accent1"/>
+            </a:lnRef>
+            <a:fillRef idx="3">
+              <a:schemeClr val="accent1"/>
+            </a:fillRef>
+            <a:effectRef idx="2">
+              <a:schemeClr val="accent1"/>
+            </a:effectRef>
+            <a:fontRef idx="minor">
+              <a:schemeClr val="lt1"/>
+            </a:fontRef>
+          </p:style>
+        </p:sp>
+        <p:sp>
+          <p:nvSpPr>
+            <p:cNvPr id="20" name="Isosceles Triangle 19">
+              <a:extLst>
+                <a:ext uri="{FF2B5EF4-FFF2-40B4-BE49-F238E27FC236}">
+                  <a16:creationId xmlns:a16="http://schemas.microsoft.com/office/drawing/2014/main" id="{0060D8D1-7BB1-498F-AFBB-ADAC130A9E90}"/>
+                </a:ext>
+                <a:ext uri="{C183D7F6-B498-43B3-948B-1728B52AA6E4}">
+                  <adec:decorative xmlns:adec="http://schemas.microsoft.com/office/drawing/2017/decorative" val="1"/>
+                </a:ext>
+              </a:extLst>
+            </p:cNvPr>
+            <p:cNvSpPr/>
+            <p:nvPr>
+              <p:extLst>
+                <p:ext uri="{386F3935-93C4-4BCD-93E2-E3B085C9AB24}">
+                  <p16:designElem xmlns:p16="http://schemas.microsoft.com/office/powerpoint/2015/main" val="1"/>
+                </p:ext>
+              </p:extLst>
+            </p:nvPr>
+          </p:nvSpPr>
+          <p:spPr>
+            <a:xfrm rot="10800000">
+              <a:off x="0" y="0"/>
+              <a:ext cx="842596" cy="5666154"/>
+            </a:xfrm>
+            <a:prstGeom prst="triangle">
+              <a:avLst>
+                <a:gd name="adj" fmla="val 100000"/>
+              </a:avLst>
+            </a:prstGeom>
+            <a:solidFill>
+              <a:schemeClr val="accent1">
+                <a:alpha val="85000"/>
+              </a:schemeClr>
+            </a:solidFill>
+            <a:ln>
+              <a:noFill/>
+            </a:ln>
+            <a:effectLst/>
+          </p:spPr>
+          <p:style>
+            <a:lnRef idx="1">
+              <a:schemeClr val="accent1"/>
+            </a:lnRef>
+            <a:fillRef idx="3">
+              <a:schemeClr val="accent1"/>
+            </a:fillRef>
+            <a:effectRef idx="2">
+              <a:schemeClr val="accent1"/>
+            </a:effectRef>
+            <a:fontRef idx="minor">
+              <a:schemeClr val="lt1"/>
+            </a:fontRef>
+          </p:style>
+        </p:sp>
+      </p:grpSp>
+      <p:sp>
+        <p:nvSpPr>
+          <p:cNvPr id="2" name="Titel 1">
+            <a:extLst>
+              <a:ext uri="{FF2B5EF4-FFF2-40B4-BE49-F238E27FC236}">
+                <a16:creationId xmlns:a16="http://schemas.microsoft.com/office/drawing/2014/main" id="{90DA0758-7339-E193-6B17-D0D1E2A41B4B}"/>
+              </a:ext>
+            </a:extLst>
+          </p:cNvPr>
+          <p:cNvSpPr>
+            <a:spLocks noGrp="1"/>
+          </p:cNvSpPr>
+          <p:nvPr>
+            <p:ph type="title"/>
+          </p:nvPr>
+        </p:nvSpPr>
+        <p:spPr>
+          <a:xfrm>
+            <a:off x="985969" y="4553712"/>
+            <a:ext cx="8288032" cy="1096316"/>
+          </a:xfrm>
+        </p:spPr>
+        <p:txBody>
+          <a:bodyPr vert="horz" lIns="91440" tIns="45720" rIns="91440" bIns="45720" rtlCol="0" anchor="b">
+            <a:normAutofit/>
+          </a:bodyPr>
+          <a:lstStyle/>
+          <a:p>
+            <a:pPr algn="ctr"/>
+            <a:r>
+              <a:rPr lang="en-US" sz="4800" kern="1200">
+                <a:solidFill>
+                  <a:schemeClr val="accent1"/>
+                </a:solidFill>
+                <a:latin typeface="+mj-lt"/>
+                <a:ea typeface="+mj-ea"/>
+                <a:cs typeface="+mj-cs"/>
+              </a:rPr>
+              <a:t>Meine Aufgabe an euch</a:t>
+            </a:r>
+          </a:p>
+        </p:txBody>
+      </p:sp>
+      <p:pic>
+        <p:nvPicPr>
+          <p:cNvPr id="5" name="Inhaltsplatzhalter 4">
+            <a:extLst>
+              <a:ext uri="{FF2B5EF4-FFF2-40B4-BE49-F238E27FC236}">
+                <a16:creationId xmlns:a16="http://schemas.microsoft.com/office/drawing/2014/main" id="{3AC84B46-5367-6DA5-1CEF-BD3D25C4D62E}"/>
+              </a:ext>
+            </a:extLst>
+          </p:cNvPr>
+          <p:cNvPicPr>
+            <a:picLocks noGrp="1" noChangeAspect="1"/>
+          </p:cNvPicPr>
+          <p:nvPr>
+            <p:ph idx="1"/>
+          </p:nvPr>
+        </p:nvPicPr>
+        <p:blipFill>
+          <a:blip r:embed="rId2"/>
+          <a:stretch>
+            <a:fillRect/>
+          </a:stretch>
+        </p:blipFill>
+        <p:spPr>
+          <a:xfrm>
+            <a:off x="985968" y="1098396"/>
+            <a:ext cx="8288033" cy="3135276"/>
+          </a:xfrm>
+          <a:prstGeom prst="rect">
+            <a:avLst/>
+          </a:prstGeom>
+        </p:spPr>
+      </p:pic>
+    </p:spTree>
+    <p:extLst>
+      <p:ext uri="{BB962C8B-B14F-4D97-AF65-F5344CB8AC3E}">
+        <p14:creationId xmlns:p14="http://schemas.microsoft.com/office/powerpoint/2010/main" val="2709368891"/>
       </p:ext>
     </p:extLst>
   </p:cSld>
